--- a/이분 탐색_매개변수 탐색_발표자료.pptx
+++ b/이분 탐색_매개변수 탐색_발표자료.pptx
@@ -5,10 +5,10 @@
     <p:sldMasterId id="2147483666" r:id="rId4"/>
   </p:sldMasterIdLst>
   <p:notesMasterIdLst>
-    <p:notesMasterId r:id="rId17"/>
+    <p:notesMasterId r:id="rId19"/>
   </p:notesMasterIdLst>
   <p:handoutMasterIdLst>
-    <p:handoutMasterId r:id="rId18"/>
+    <p:handoutMasterId r:id="rId20"/>
   </p:handoutMasterIdLst>
   <p:sldIdLst>
     <p:sldId id="256" r:id="rId5"/>
@@ -23,6 +23,8 @@
     <p:sldId id="302" r:id="rId14"/>
     <p:sldId id="303" r:id="rId15"/>
     <p:sldId id="304" r:id="rId16"/>
+    <p:sldId id="305" r:id="rId17"/>
+    <p:sldId id="306" r:id="rId18"/>
   </p:sldIdLst>
   <p:sldSz cx="12192000" cy="6858000"/>
   <p:notesSz cx="6858000" cy="9144000"/>
@@ -257,7 +259,7 @@
                 <a:latin typeface="+mj-ea"/>
                 <a:ea typeface="+mj-ea"/>
               </a:rPr>
-              <a:t>2023-03-27</a:t>
+              <a:t>2023-03-28</a:t>
             </a:fld>
             <a:endParaRPr lang="ko-KR" altLang="en-US" dirty="0">
               <a:latin typeface="+mj-ea"/>
@@ -455,7 +457,7 @@
             <a:fld id="{6B577933-6CF4-4A80-8F7D-D574BAC42BBA}" type="datetime1">
               <a:rPr lang="ko-KR" altLang="en-US" smtClean="0"/>
               <a:pPr/>
-              <a:t>2023-03-27</a:t>
+              <a:t>2023-03-28</a:t>
             </a:fld>
             <a:endParaRPr lang="ko-KR" altLang="en-US" dirty="0"/>
           </a:p>
@@ -1065,6 +1067,177 @@
     <p:extLst>
       <p:ext uri="{BB962C8B-B14F-4D97-AF65-F5344CB8AC3E}">
         <p14:creationId xmlns:p14="http://schemas.microsoft.com/office/powerpoint/2010/main" val="3762248078"/>
+      </p:ext>
+    </p:extLst>
+  </p:cSld>
+  <p:clrMapOvr>
+    <a:masterClrMapping/>
+  </p:clrMapOvr>
+</p:notes>
+</file>
+
+<file path=ppt/notesSlides/notesSlide13.xml><?xml version="1.0" encoding="utf-8"?>
+<p:notes xmlns:a="http://schemas.openxmlformats.org/drawingml/2006/main" xmlns:r="http://schemas.openxmlformats.org/officeDocument/2006/relationships" xmlns:p="http://schemas.openxmlformats.org/presentationml/2006/main">
+  <p:cSld>
+    <p:spTree>
+      <p:nvGrpSpPr>
+        <p:cNvPr id="1" name=""/>
+        <p:cNvGrpSpPr/>
+        <p:nvPr/>
+      </p:nvGrpSpPr>
+      <p:grpSpPr>
+        <a:xfrm>
+          <a:off x="0" y="0"/>
+          <a:ext cx="0" cy="0"/>
+          <a:chOff x="0" y="0"/>
+          <a:chExt cx="0" cy="0"/>
+        </a:xfrm>
+      </p:grpSpPr>
+      <p:sp>
+        <p:nvSpPr>
+          <p:cNvPr id="2" name="슬라이드 이미지 개체 틀 1"/>
+          <p:cNvSpPr>
+            <a:spLocks noGrp="1" noRot="1" noChangeAspect="1"/>
+          </p:cNvSpPr>
+          <p:nvPr>
+            <p:ph type="sldImg"/>
+          </p:nvPr>
+        </p:nvSpPr>
+        <p:spPr/>
+      </p:sp>
+      <p:sp>
+        <p:nvSpPr>
+          <p:cNvPr id="3" name="슬라이드 노트 개체 틀 2"/>
+          <p:cNvSpPr>
+            <a:spLocks noGrp="1"/>
+          </p:cNvSpPr>
+          <p:nvPr>
+            <p:ph type="body" idx="1"/>
+          </p:nvPr>
+        </p:nvSpPr>
+        <p:spPr/>
+        <p:txBody>
+          <a:bodyPr/>
+          <a:lstStyle/>
+          <a:p>
+            <a:endParaRPr lang="ko-KR" altLang="en-US" noProof="0" dirty="0"/>
+          </a:p>
+        </p:txBody>
+      </p:sp>
+      <p:sp>
+        <p:nvSpPr>
+          <p:cNvPr id="4" name="슬라이드 번호 개체 틀 3"/>
+          <p:cNvSpPr>
+            <a:spLocks noGrp="1"/>
+          </p:cNvSpPr>
+          <p:nvPr>
+            <p:ph type="sldNum" sz="quarter" idx="5"/>
+          </p:nvPr>
+        </p:nvSpPr>
+        <p:spPr/>
+        <p:txBody>
+          <a:bodyPr/>
+          <a:lstStyle/>
+          <a:p>
+            <a:fld id="{D4B9A9E5-4F7F-4A7D-9DE1-899232329269}" type="slidenum">
+              <a:rPr lang="en-US" altLang="ko-KR" smtClean="0"/>
+              <a:pPr/>
+              <a:t>13</a:t>
+            </a:fld>
+            <a:endParaRPr lang="ko-KR" altLang="en-US"/>
+          </a:p>
+        </p:txBody>
+      </p:sp>
+    </p:spTree>
+    <p:extLst>
+      <p:ext uri="{BB962C8B-B14F-4D97-AF65-F5344CB8AC3E}">
+        <p14:creationId xmlns:p14="http://schemas.microsoft.com/office/powerpoint/2010/main" val="2370562778"/>
+      </p:ext>
+    </p:extLst>
+  </p:cSld>
+  <p:clrMapOvr>
+    <a:masterClrMapping/>
+  </p:clrMapOvr>
+</p:notes>
+</file>
+
+<file path=ppt/notesSlides/notesSlide14.xml><?xml version="1.0" encoding="utf-8"?>
+<p:notes xmlns:a="http://schemas.openxmlformats.org/drawingml/2006/main" xmlns:r="http://schemas.openxmlformats.org/officeDocument/2006/relationships" xmlns:p="http://schemas.openxmlformats.org/presentationml/2006/main">
+  <p:cSld>
+    <p:spTree>
+      <p:nvGrpSpPr>
+        <p:cNvPr id="1" name=""/>
+        <p:cNvGrpSpPr/>
+        <p:nvPr/>
+      </p:nvGrpSpPr>
+      <p:grpSpPr>
+        <a:xfrm>
+          <a:off x="0" y="0"/>
+          <a:ext cx="0" cy="0"/>
+          <a:chOff x="0" y="0"/>
+          <a:chExt cx="0" cy="0"/>
+        </a:xfrm>
+      </p:grpSpPr>
+      <p:sp>
+        <p:nvSpPr>
+          <p:cNvPr id="2" name="슬라이드 이미지 개체 틀 1"/>
+          <p:cNvSpPr>
+            <a:spLocks noGrp="1" noRot="1" noChangeAspect="1"/>
+          </p:cNvSpPr>
+          <p:nvPr>
+            <p:ph type="sldImg"/>
+          </p:nvPr>
+        </p:nvSpPr>
+        <p:spPr/>
+      </p:sp>
+      <p:sp>
+        <p:nvSpPr>
+          <p:cNvPr id="3" name="슬라이드 노트 개체 틀 2"/>
+          <p:cNvSpPr>
+            <a:spLocks noGrp="1"/>
+          </p:cNvSpPr>
+          <p:nvPr>
+            <p:ph type="body" idx="1"/>
+          </p:nvPr>
+        </p:nvSpPr>
+        <p:spPr/>
+        <p:txBody>
+          <a:bodyPr rtlCol="0"/>
+          <a:lstStyle/>
+          <a:p>
+            <a:pPr rtl="0"/>
+            <a:endParaRPr lang="ko-KR" altLang="en-US" noProof="0" dirty="0"/>
+          </a:p>
+        </p:txBody>
+      </p:sp>
+      <p:sp>
+        <p:nvSpPr>
+          <p:cNvPr id="4" name="슬라이드 번호 개체 틀 3"/>
+          <p:cNvSpPr>
+            <a:spLocks noGrp="1"/>
+          </p:cNvSpPr>
+          <p:nvPr>
+            <p:ph type="sldNum" sz="quarter" idx="5"/>
+          </p:nvPr>
+        </p:nvSpPr>
+        <p:spPr/>
+        <p:txBody>
+          <a:bodyPr rtlCol="0"/>
+          <a:lstStyle/>
+          <a:p>
+            <a:pPr rtl="0"/>
+            <a:fld id="{D4B9A9E5-4F7F-4A7D-9DE1-899232329269}" type="slidenum">
+              <a:rPr lang="en-US" altLang="ko-KR" smtClean="0"/>
+              <a:t>14</a:t>
+            </a:fld>
+            <a:endParaRPr lang="ko-KR" altLang="en-US"/>
+          </a:p>
+        </p:txBody>
+      </p:sp>
+    </p:spTree>
+    <p:extLst>
+      <p:ext uri="{BB962C8B-B14F-4D97-AF65-F5344CB8AC3E}">
+        <p14:creationId xmlns:p14="http://schemas.microsoft.com/office/powerpoint/2010/main" val="3136412300"/>
       </p:ext>
     </p:extLst>
   </p:cSld>
@@ -18210,8 +18383,8 @@
         </p:nvSpPr>
         <p:spPr>
           <a:xfrm>
-            <a:off x="5654842" y="4434840"/>
-            <a:ext cx="5702969" cy="1122202"/>
+            <a:off x="4554245" y="2885242"/>
+            <a:ext cx="6803566" cy="1988219"/>
           </a:xfrm>
         </p:spPr>
         <p:txBody>
@@ -18220,15 +18393,15 @@
           <a:p>
             <a:pPr rtl="0"/>
             <a:r>
-              <a:rPr lang="ko-KR" altLang="en-US" dirty="0"/>
+              <a:rPr lang="ko-KR" altLang="en-US" sz="4400" dirty="0"/>
               <a:t>이분 탐색</a:t>
             </a:r>
             <a:r>
-              <a:rPr lang="en-US" altLang="ko-KR" dirty="0"/>
+              <a:rPr lang="en-US" altLang="ko-KR" sz="4400" dirty="0"/>
               <a:t>, </a:t>
             </a:r>
             <a:r>
-              <a:rPr lang="ko-KR" altLang="en-US" dirty="0"/>
+              <a:rPr lang="ko-KR" altLang="en-US" sz="4400" dirty="0"/>
               <a:t>매개변수 탐색</a:t>
             </a:r>
           </a:p>
@@ -18252,32 +18425,260 @@
         </p:nvSpPr>
         <p:spPr>
           <a:xfrm>
-            <a:off x="6416041" y="5586890"/>
-            <a:ext cx="4941770" cy="396660"/>
-          </a:xfrm>
-        </p:spPr>
-        <p:txBody>
-          <a:bodyPr rtlCol="0"/>
+            <a:off x="9258123" y="5580846"/>
+            <a:ext cx="2163059" cy="396660"/>
+          </a:xfrm>
+        </p:spPr>
+        <p:txBody>
+          <a:bodyPr rtlCol="0">
+            <a:normAutofit/>
+          </a:bodyPr>
           <a:lstStyle/>
           <a:p>
             <a:pPr rtl="0"/>
             <a:r>
-              <a:rPr lang="ko-KR" altLang="en-US" dirty="0"/>
+              <a:rPr lang="ko-KR" altLang="en-US" sz="2000" dirty="0"/>
               <a:t>중급 </a:t>
             </a:r>
             <a:r>
-              <a:rPr lang="en-US" altLang="ko-KR" dirty="0"/>
+              <a:rPr lang="en-US" altLang="ko-KR" sz="2000" dirty="0"/>
               <a:t>5</a:t>
             </a:r>
             <a:r>
-              <a:rPr lang="ko-KR" altLang="en-US" dirty="0"/>
+              <a:rPr lang="ko-KR" altLang="en-US" sz="2000" dirty="0"/>
               <a:t>팀 </a:t>
             </a:r>
             <a:r>
-              <a:rPr lang="ko-KR" altLang="en-US" dirty="0" err="1"/>
+              <a:rPr lang="ko-KR" altLang="en-US" sz="2000" dirty="0" err="1"/>
               <a:t>유철희</a:t>
             </a:r>
-            <a:endParaRPr lang="ko-KR" altLang="en-US" dirty="0"/>
+            <a:endParaRPr lang="ko-KR" altLang="en-US" sz="2000" dirty="0"/>
+          </a:p>
+        </p:txBody>
+      </p:sp>
+      <p:sp>
+        <p:nvSpPr>
+          <p:cNvPr id="4" name="부제목 2">
+            <a:extLst>
+              <a:ext uri="{FF2B5EF4-FFF2-40B4-BE49-F238E27FC236}">
+                <a16:creationId xmlns:a16="http://schemas.microsoft.com/office/drawing/2014/main" id="{66BA70D2-D507-9E33-DA67-393A989684B8}"/>
+              </a:ext>
+            </a:extLst>
+          </p:cNvPr>
+          <p:cNvSpPr txBox="1">
+            <a:spLocks/>
+          </p:cNvSpPr>
+          <p:nvPr/>
+        </p:nvSpPr>
+        <p:spPr>
+          <a:xfrm>
+            <a:off x="6909697" y="5028823"/>
+            <a:ext cx="4384743" cy="396660"/>
+          </a:xfrm>
+          <a:prstGeom prst="rect">
+            <a:avLst/>
+          </a:prstGeom>
+        </p:spPr>
+        <p:txBody>
+          <a:bodyPr vert="horz" lIns="91440" tIns="45720" rIns="91440" bIns="45720" rtlCol="0">
+            <a:normAutofit/>
+          </a:bodyPr>
+          <a:lstStyle>
+            <a:lvl1pPr marL="0" indent="0" algn="l" defTabSz="914400" rtl="0" eaLnBrk="1" latinLnBrk="1" hangingPunct="1">
+              <a:lnSpc>
+                <a:spcPct val="100000"/>
+              </a:lnSpc>
+              <a:spcBef>
+                <a:spcPts val="1000"/>
+              </a:spcBef>
+              <a:buFont typeface="Arial" panose="020B0604020202020204" pitchFamily="34" charset="0"/>
+              <a:buNone/>
+              <a:defRPr sz="1600" kern="1200">
+                <a:solidFill>
+                  <a:schemeClr val="tx1">
+                    <a:lumMod val="75000"/>
+                    <a:lumOff val="25000"/>
+                  </a:schemeClr>
+                </a:solidFill>
+                <a:latin typeface="맑은 고딕" panose="020B0503020000020004" pitchFamily="50" charset="-127"/>
+                <a:ea typeface="맑은 고딕" panose="020B0503020000020004" pitchFamily="50" charset="-127"/>
+                <a:cs typeface="+mn-cs"/>
+              </a:defRPr>
+            </a:lvl1pPr>
+            <a:lvl2pPr marL="457200" indent="0" algn="ctr" defTabSz="914400" rtl="0" eaLnBrk="1" latinLnBrk="1" hangingPunct="1">
+              <a:lnSpc>
+                <a:spcPct val="90000"/>
+              </a:lnSpc>
+              <a:spcBef>
+                <a:spcPts val="500"/>
+              </a:spcBef>
+              <a:buFont typeface="Arial" panose="020B0604020202020204" pitchFamily="34" charset="0"/>
+              <a:buNone/>
+              <a:defRPr sz="2000" kern="1200">
+                <a:solidFill>
+                  <a:schemeClr val="tx1">
+                    <a:lumMod val="75000"/>
+                    <a:lumOff val="25000"/>
+                  </a:schemeClr>
+                </a:solidFill>
+                <a:latin typeface="맑은 고딕" panose="020B0503020000020004" pitchFamily="50" charset="-127"/>
+                <a:ea typeface="맑은 고딕" panose="020B0503020000020004" pitchFamily="50" charset="-127"/>
+                <a:cs typeface="+mn-cs"/>
+              </a:defRPr>
+            </a:lvl2pPr>
+            <a:lvl3pPr marL="914400" indent="0" algn="ctr" defTabSz="914400" rtl="0" eaLnBrk="1" latinLnBrk="1" hangingPunct="1">
+              <a:lnSpc>
+                <a:spcPct val="90000"/>
+              </a:lnSpc>
+              <a:spcBef>
+                <a:spcPts val="500"/>
+              </a:spcBef>
+              <a:buFont typeface="Arial" panose="020B0604020202020204" pitchFamily="34" charset="0"/>
+              <a:buNone/>
+              <a:defRPr sz="1800" kern="1200">
+                <a:solidFill>
+                  <a:schemeClr val="tx1">
+                    <a:lumMod val="75000"/>
+                    <a:lumOff val="25000"/>
+                  </a:schemeClr>
+                </a:solidFill>
+                <a:latin typeface="맑은 고딕" panose="020B0503020000020004" pitchFamily="50" charset="-127"/>
+                <a:ea typeface="맑은 고딕" panose="020B0503020000020004" pitchFamily="50" charset="-127"/>
+                <a:cs typeface="+mn-cs"/>
+              </a:defRPr>
+            </a:lvl3pPr>
+            <a:lvl4pPr marL="1371600" indent="0" algn="ctr" defTabSz="914400" rtl="0" eaLnBrk="1" latinLnBrk="1" hangingPunct="1">
+              <a:lnSpc>
+                <a:spcPct val="90000"/>
+              </a:lnSpc>
+              <a:spcBef>
+                <a:spcPts val="500"/>
+              </a:spcBef>
+              <a:buFont typeface="Arial" panose="020B0604020202020204" pitchFamily="34" charset="0"/>
+              <a:buNone/>
+              <a:defRPr sz="1600" kern="1200">
+                <a:solidFill>
+                  <a:schemeClr val="tx1">
+                    <a:lumMod val="75000"/>
+                    <a:lumOff val="25000"/>
+                  </a:schemeClr>
+                </a:solidFill>
+                <a:latin typeface="맑은 고딕" panose="020B0503020000020004" pitchFamily="50" charset="-127"/>
+                <a:ea typeface="맑은 고딕" panose="020B0503020000020004" pitchFamily="50" charset="-127"/>
+                <a:cs typeface="+mn-cs"/>
+              </a:defRPr>
+            </a:lvl4pPr>
+            <a:lvl5pPr marL="1828800" indent="0" algn="ctr" defTabSz="914400" rtl="0" eaLnBrk="1" latinLnBrk="1" hangingPunct="1">
+              <a:lnSpc>
+                <a:spcPct val="90000"/>
+              </a:lnSpc>
+              <a:spcBef>
+                <a:spcPts val="500"/>
+              </a:spcBef>
+              <a:buFont typeface="Arial" panose="020B0604020202020204" pitchFamily="34" charset="0"/>
+              <a:buNone/>
+              <a:defRPr sz="1600" kern="1200">
+                <a:solidFill>
+                  <a:schemeClr val="tx1">
+                    <a:lumMod val="75000"/>
+                    <a:lumOff val="25000"/>
+                  </a:schemeClr>
+                </a:solidFill>
+                <a:latin typeface="맑은 고딕" panose="020B0503020000020004" pitchFamily="50" charset="-127"/>
+                <a:ea typeface="맑은 고딕" panose="020B0503020000020004" pitchFamily="50" charset="-127"/>
+                <a:cs typeface="+mn-cs"/>
+              </a:defRPr>
+            </a:lvl5pPr>
+            <a:lvl6pPr marL="2286000" indent="0" algn="ctr" defTabSz="914400" rtl="0" eaLnBrk="1" latinLnBrk="1" hangingPunct="1">
+              <a:lnSpc>
+                <a:spcPct val="90000"/>
+              </a:lnSpc>
+              <a:spcBef>
+                <a:spcPts val="500"/>
+              </a:spcBef>
+              <a:buFont typeface="Arial" panose="020B0604020202020204" pitchFamily="34" charset="0"/>
+              <a:buNone/>
+              <a:defRPr sz="1600" kern="1200">
+                <a:solidFill>
+                  <a:schemeClr val="tx1"/>
+                </a:solidFill>
+                <a:latin typeface="+mn-lt"/>
+                <a:ea typeface="+mn-ea"/>
+                <a:cs typeface="+mn-cs"/>
+              </a:defRPr>
+            </a:lvl6pPr>
+            <a:lvl7pPr marL="2743200" indent="0" algn="ctr" defTabSz="914400" rtl="0" eaLnBrk="1" latinLnBrk="1" hangingPunct="1">
+              <a:lnSpc>
+                <a:spcPct val="90000"/>
+              </a:lnSpc>
+              <a:spcBef>
+                <a:spcPts val="500"/>
+              </a:spcBef>
+              <a:buFont typeface="Arial" panose="020B0604020202020204" pitchFamily="34" charset="0"/>
+              <a:buNone/>
+              <a:defRPr sz="1600" kern="1200">
+                <a:solidFill>
+                  <a:schemeClr val="tx1"/>
+                </a:solidFill>
+                <a:latin typeface="+mn-lt"/>
+                <a:ea typeface="+mn-ea"/>
+                <a:cs typeface="+mn-cs"/>
+              </a:defRPr>
+            </a:lvl7pPr>
+            <a:lvl8pPr marL="3200400" indent="0" algn="ctr" defTabSz="914400" rtl="0" eaLnBrk="1" latinLnBrk="1" hangingPunct="1">
+              <a:lnSpc>
+                <a:spcPct val="90000"/>
+              </a:lnSpc>
+              <a:spcBef>
+                <a:spcPts val="500"/>
+              </a:spcBef>
+              <a:buFont typeface="Arial" panose="020B0604020202020204" pitchFamily="34" charset="0"/>
+              <a:buNone/>
+              <a:defRPr sz="1600" kern="1200">
+                <a:solidFill>
+                  <a:schemeClr val="tx1"/>
+                </a:solidFill>
+                <a:latin typeface="+mn-lt"/>
+                <a:ea typeface="+mn-ea"/>
+                <a:cs typeface="+mn-cs"/>
+              </a:defRPr>
+            </a:lvl8pPr>
+            <a:lvl9pPr marL="3657600" indent="0" algn="ctr" defTabSz="914400" rtl="0" eaLnBrk="1" latinLnBrk="1" hangingPunct="1">
+              <a:lnSpc>
+                <a:spcPct val="90000"/>
+              </a:lnSpc>
+              <a:spcBef>
+                <a:spcPts val="500"/>
+              </a:spcBef>
+              <a:buFont typeface="Arial" panose="020B0604020202020204" pitchFamily="34" charset="0"/>
+              <a:buNone/>
+              <a:defRPr sz="1600" kern="1200">
+                <a:solidFill>
+                  <a:schemeClr val="tx1"/>
+                </a:solidFill>
+                <a:latin typeface="+mn-lt"/>
+                <a:ea typeface="+mn-ea"/>
+                <a:cs typeface="+mn-cs"/>
+              </a:defRPr>
+            </a:lvl9pPr>
+          </a:lstStyle>
+          <a:p>
+            <a:r>
+              <a:rPr lang="en-US" altLang="ko-KR" sz="2000" dirty="0"/>
+              <a:t>2417 </a:t>
+            </a:r>
+            <a:r>
+              <a:rPr lang="ko-KR" altLang="en-US" sz="2000" dirty="0"/>
+              <a:t>정수 제곱근</a:t>
+            </a:r>
+            <a:r>
+              <a:rPr lang="en-US" altLang="ko-KR" sz="2000" dirty="0"/>
+              <a:t>, 1637 </a:t>
+            </a:r>
+            <a:r>
+              <a:rPr lang="ko-KR" altLang="en-US" sz="2000" dirty="0"/>
+              <a:t>날카로운 눈</a:t>
+            </a:r>
           </a:p>
         </p:txBody>
       </p:sp>
@@ -18982,8 +19383,8 @@
         </p:nvSpPr>
         <p:spPr>
           <a:xfrm>
-            <a:off x="5775763" y="3674407"/>
-            <a:ext cx="6355540" cy="3183593"/>
+            <a:off x="5613150" y="3674407"/>
+            <a:ext cx="6518154" cy="3183593"/>
           </a:xfrm>
           <a:prstGeom prst="rect">
             <a:avLst/>
@@ -19014,6 +19415,8 @@
                 <a:solidFill>
                   <a:schemeClr val="tx1"/>
                 </a:solidFill>
+                <a:latin typeface="맑은 고딕" panose="020B0503020000020004" pitchFamily="50" charset="-127"/>
+                <a:ea typeface="맑은 고딕" panose="020B0503020000020004" pitchFamily="50" charset="-127"/>
               </a:rPr>
               <a:t>low</a:t>
             </a:r>
@@ -19022,6 +19425,8 @@
                 <a:solidFill>
                   <a:schemeClr val="tx1"/>
                 </a:solidFill>
+                <a:latin typeface="맑은 고딕" panose="020B0503020000020004" pitchFamily="50" charset="-127"/>
+                <a:ea typeface="맑은 고딕" panose="020B0503020000020004" pitchFamily="50" charset="-127"/>
               </a:rPr>
               <a:t>는 </a:t>
             </a:r>
@@ -19030,22 +19435,28 @@
                 <a:solidFill>
                   <a:schemeClr val="tx1"/>
                 </a:solidFill>
+                <a:latin typeface="맑은 고딕" panose="020B0503020000020004" pitchFamily="50" charset="-127"/>
+                <a:ea typeface="맑은 고딕" panose="020B0503020000020004" pitchFamily="50" charset="-127"/>
               </a:rPr>
-              <a:t>1</a:t>
+              <a:t>0</a:t>
             </a:r>
             <a:r>
               <a:rPr lang="ko-KR" altLang="en-US" dirty="0">
                 <a:solidFill>
                   <a:schemeClr val="tx1"/>
                 </a:solidFill>
+                <a:latin typeface="맑은 고딕" panose="020B0503020000020004" pitchFamily="50" charset="-127"/>
+                <a:ea typeface="맑은 고딕" panose="020B0503020000020004" pitchFamily="50" charset="-127"/>
               </a:rPr>
-              <a:t>로</a:t>
+              <a:t>으로</a:t>
             </a:r>
             <a:r>
               <a:rPr lang="en-US" altLang="ko-KR" dirty="0">
                 <a:solidFill>
                   <a:schemeClr val="tx1"/>
                 </a:solidFill>
+                <a:latin typeface="맑은 고딕" panose="020B0503020000020004" pitchFamily="50" charset="-127"/>
+                <a:ea typeface="맑은 고딕" panose="020B0503020000020004" pitchFamily="50" charset="-127"/>
               </a:rPr>
               <a:t>, high</a:t>
             </a:r>
@@ -19054,6 +19465,8 @@
                 <a:solidFill>
                   <a:schemeClr val="tx1"/>
                 </a:solidFill>
+                <a:latin typeface="맑은 고딕" panose="020B0503020000020004" pitchFamily="50" charset="-127"/>
+                <a:ea typeface="맑은 고딕" panose="020B0503020000020004" pitchFamily="50" charset="-127"/>
               </a:rPr>
               <a:t>는 </a:t>
             </a:r>
@@ -19062,14 +19475,18 @@
                 <a:solidFill>
                   <a:schemeClr val="tx1"/>
                 </a:solidFill>
+                <a:latin typeface="맑은 고딕" panose="020B0503020000020004" pitchFamily="50" charset="-127"/>
+                <a:ea typeface="맑은 고딕" panose="020B0503020000020004" pitchFamily="50" charset="-127"/>
               </a:rPr>
-              <a:t>INT_MAX</a:t>
+              <a:t>INT_MAX+1</a:t>
             </a:r>
             <a:r>
               <a:rPr lang="ko-KR" altLang="en-US" dirty="0">
                 <a:solidFill>
                   <a:schemeClr val="tx1"/>
                 </a:solidFill>
+                <a:latin typeface="맑은 고딕" panose="020B0503020000020004" pitchFamily="50" charset="-127"/>
+                <a:ea typeface="맑은 고딕" panose="020B0503020000020004" pitchFamily="50" charset="-127"/>
               </a:rPr>
               <a:t>로 설정</a:t>
             </a:r>
@@ -19077,6 +19494,8 @@
               <a:solidFill>
                 <a:schemeClr val="tx1"/>
               </a:solidFill>
+              <a:latin typeface="맑은 고딕" panose="020B0503020000020004" pitchFamily="50" charset="-127"/>
+              <a:ea typeface="맑은 고딕" panose="020B0503020000020004" pitchFamily="50" charset="-127"/>
             </a:endParaRPr>
           </a:p>
           <a:p>
@@ -19085,6 +19504,8 @@
                 <a:solidFill>
                   <a:schemeClr val="tx1"/>
                 </a:solidFill>
+                <a:latin typeface="맑은 고딕" panose="020B0503020000020004" pitchFamily="50" charset="-127"/>
+                <a:ea typeface="맑은 고딕" panose="020B0503020000020004" pitchFamily="50" charset="-127"/>
               </a:rPr>
               <a:t>while(low+1 &lt; high) {</a:t>
             </a:r>
@@ -19096,6 +19517,8 @@
                 <a:solidFill>
                   <a:schemeClr val="tx1"/>
                 </a:solidFill>
+                <a:latin typeface="맑은 고딕" panose="020B0503020000020004" pitchFamily="50" charset="-127"/>
+                <a:ea typeface="맑은 고딕" panose="020B0503020000020004" pitchFamily="50" charset="-127"/>
               </a:rPr>
               <a:t>mid = (low + high) / 2</a:t>
             </a:r>
@@ -19107,6 +19530,8 @@
                 <a:solidFill>
                   <a:schemeClr val="tx1"/>
                 </a:solidFill>
+                <a:latin typeface="맑은 고딕" panose="020B0503020000020004" pitchFamily="50" charset="-127"/>
+                <a:ea typeface="맑은 고딕" panose="020B0503020000020004" pitchFamily="50" charset="-127"/>
               </a:rPr>
               <a:t>N</a:t>
             </a:r>
@@ -19115,6 +19540,8 @@
                 <a:solidFill>
                   <a:schemeClr val="tx1"/>
                 </a:solidFill>
+                <a:latin typeface="맑은 고딕" panose="020B0503020000020004" pitchFamily="50" charset="-127"/>
+                <a:ea typeface="맑은 고딕" panose="020B0503020000020004" pitchFamily="50" charset="-127"/>
               </a:rPr>
               <a:t>개의 라인마다</a:t>
             </a:r>
@@ -19122,6 +19549,8 @@
               <a:solidFill>
                 <a:schemeClr val="tx1"/>
               </a:solidFill>
+              <a:latin typeface="맑은 고딕" panose="020B0503020000020004" pitchFamily="50" charset="-127"/>
+              <a:ea typeface="맑은 고딕" panose="020B0503020000020004" pitchFamily="50" charset="-127"/>
             </a:endParaRPr>
           </a:p>
           <a:p>
@@ -19131,6 +19560,8 @@
                 <a:solidFill>
                   <a:schemeClr val="tx1"/>
                 </a:solidFill>
+                <a:latin typeface="맑은 고딕" panose="020B0503020000020004" pitchFamily="50" charset="-127"/>
+                <a:ea typeface="맑은 고딕" panose="020B0503020000020004" pitchFamily="50" charset="-127"/>
               </a:rPr>
               <a:t>	1</a:t>
             </a:r>
@@ -19139,6 +19570,8 @@
                 <a:solidFill>
                   <a:schemeClr val="tx1"/>
                 </a:solidFill>
+                <a:latin typeface="맑은 고딕" panose="020B0503020000020004" pitchFamily="50" charset="-127"/>
+                <a:ea typeface="맑은 고딕" panose="020B0503020000020004" pitchFamily="50" charset="-127"/>
               </a:rPr>
               <a:t>부터 </a:t>
             </a:r>
@@ -19147,22 +19580,28 @@
                 <a:solidFill>
                   <a:schemeClr val="tx1"/>
                 </a:solidFill>
+                <a:latin typeface="맑은 고딕" panose="020B0503020000020004" pitchFamily="50" charset="-127"/>
+                <a:ea typeface="맑은 고딕" panose="020B0503020000020004" pitchFamily="50" charset="-127"/>
               </a:rPr>
-              <a:t>min(mid, C)</a:t>
+              <a:t>mid</a:t>
             </a:r>
             <a:r>
               <a:rPr lang="ko-KR" altLang="en-US" dirty="0">
                 <a:solidFill>
                   <a:schemeClr val="tx1"/>
                 </a:solidFill>
+                <a:latin typeface="맑은 고딕" panose="020B0503020000020004" pitchFamily="50" charset="-127"/>
+                <a:ea typeface="맑은 고딕" panose="020B0503020000020004" pitchFamily="50" charset="-127"/>
               </a:rPr>
-              <a:t>까지의 출현횟수를 </a:t>
+              <a:t>까지 중 출현한 수들의 개수를 </a:t>
             </a:r>
             <a:r>
               <a:rPr lang="en-US" altLang="ko-KR" dirty="0">
                 <a:solidFill>
                   <a:schemeClr val="tx1"/>
                 </a:solidFill>
+                <a:latin typeface="맑은 고딕" panose="020B0503020000020004" pitchFamily="50" charset="-127"/>
+                <a:ea typeface="맑은 고딕" panose="020B0503020000020004" pitchFamily="50" charset="-127"/>
               </a:rPr>
               <a:t>sum</a:t>
             </a:r>
@@ -19171,6 +19610,8 @@
                 <a:solidFill>
                   <a:schemeClr val="tx1"/>
                 </a:solidFill>
+                <a:latin typeface="맑은 고딕" panose="020B0503020000020004" pitchFamily="50" charset="-127"/>
+                <a:ea typeface="맑은 고딕" panose="020B0503020000020004" pitchFamily="50" charset="-127"/>
               </a:rPr>
               <a:t>에 누적</a:t>
             </a:r>
@@ -19178,6 +19619,8 @@
               <a:solidFill>
                 <a:schemeClr val="tx1"/>
               </a:solidFill>
+              <a:latin typeface="맑은 고딕" panose="020B0503020000020004" pitchFamily="50" charset="-127"/>
+              <a:ea typeface="맑은 고딕" panose="020B0503020000020004" pitchFamily="50" charset="-127"/>
             </a:endParaRPr>
           </a:p>
           <a:p>
@@ -19187,6 +19630,8 @@
                 <a:solidFill>
                   <a:schemeClr val="tx1"/>
                 </a:solidFill>
+                <a:latin typeface="맑은 고딕" panose="020B0503020000020004" pitchFamily="50" charset="-127"/>
+                <a:ea typeface="맑은 고딕" panose="020B0503020000020004" pitchFamily="50" charset="-127"/>
               </a:rPr>
               <a:t>sum</a:t>
             </a:r>
@@ -19195,6 +19640,8 @@
                 <a:solidFill>
                   <a:schemeClr val="tx1"/>
                 </a:solidFill>
+                <a:latin typeface="맑은 고딕" panose="020B0503020000020004" pitchFamily="50" charset="-127"/>
+                <a:ea typeface="맑은 고딕" panose="020B0503020000020004" pitchFamily="50" charset="-127"/>
               </a:rPr>
               <a:t>이 홀수</a:t>
             </a:r>
@@ -19203,6 +19650,8 @@
                 <a:solidFill>
                   <a:schemeClr val="tx1"/>
                 </a:solidFill>
+                <a:latin typeface="맑은 고딕" panose="020B0503020000020004" pitchFamily="50" charset="-127"/>
+                <a:ea typeface="맑은 고딕" panose="020B0503020000020004" pitchFamily="50" charset="-127"/>
               </a:rPr>
               <a:t>? high = mid, </a:t>
             </a:r>
@@ -19211,6 +19660,8 @@
                 <a:solidFill>
                   <a:schemeClr val="tx1"/>
                 </a:solidFill>
+                <a:latin typeface="맑은 고딕" panose="020B0503020000020004" pitchFamily="50" charset="-127"/>
+                <a:ea typeface="맑은 고딕" panose="020B0503020000020004" pitchFamily="50" charset="-127"/>
               </a:rPr>
               <a:t>ans</a:t>
             </a:r>
@@ -19219,6 +19670,8 @@
                 <a:solidFill>
                   <a:schemeClr val="tx1"/>
                 </a:solidFill>
+                <a:latin typeface="맑은 고딕" panose="020B0503020000020004" pitchFamily="50" charset="-127"/>
+                <a:ea typeface="맑은 고딕" panose="020B0503020000020004" pitchFamily="50" charset="-127"/>
               </a:rPr>
               <a:t>갱신</a:t>
             </a:r>
@@ -19226,6 +19679,8 @@
               <a:solidFill>
                 <a:schemeClr val="tx1"/>
               </a:solidFill>
+              <a:latin typeface="맑은 고딕" panose="020B0503020000020004" pitchFamily="50" charset="-127"/>
+              <a:ea typeface="맑은 고딕" panose="020B0503020000020004" pitchFamily="50" charset="-127"/>
             </a:endParaRPr>
           </a:p>
           <a:p>
@@ -19235,6 +19690,8 @@
                 <a:solidFill>
                   <a:schemeClr val="tx1"/>
                 </a:solidFill>
+                <a:latin typeface="맑은 고딕" panose="020B0503020000020004" pitchFamily="50" charset="-127"/>
+                <a:ea typeface="맑은 고딕" panose="020B0503020000020004" pitchFamily="50" charset="-127"/>
               </a:rPr>
               <a:t>sum</a:t>
             </a:r>
@@ -19243,6 +19700,8 @@
                 <a:solidFill>
                   <a:schemeClr val="tx1"/>
                 </a:solidFill>
+                <a:latin typeface="맑은 고딕" panose="020B0503020000020004" pitchFamily="50" charset="-127"/>
+                <a:ea typeface="맑은 고딕" panose="020B0503020000020004" pitchFamily="50" charset="-127"/>
               </a:rPr>
               <a:t>이 짝수</a:t>
             </a:r>
@@ -19251,6 +19710,8 @@
                 <a:solidFill>
                   <a:schemeClr val="tx1"/>
                 </a:solidFill>
+                <a:latin typeface="맑은 고딕" panose="020B0503020000020004" pitchFamily="50" charset="-127"/>
+                <a:ea typeface="맑은 고딕" panose="020B0503020000020004" pitchFamily="50" charset="-127"/>
               </a:rPr>
               <a:t>? low = mid</a:t>
             </a:r>
@@ -19261,6 +19722,8 @@
                 <a:solidFill>
                   <a:schemeClr val="tx1"/>
                 </a:solidFill>
+                <a:latin typeface="맑은 고딕" panose="020B0503020000020004" pitchFamily="50" charset="-127"/>
+                <a:ea typeface="맑은 고딕" panose="020B0503020000020004" pitchFamily="50" charset="-127"/>
               </a:rPr>
               <a:t>}</a:t>
             </a:r>
@@ -19268,6 +19731,8 @@
               <a:solidFill>
                 <a:schemeClr val="tx1"/>
               </a:solidFill>
+              <a:latin typeface="맑은 고딕" panose="020B0503020000020004" pitchFamily="50" charset="-127"/>
+              <a:ea typeface="맑은 고딕" panose="020B0503020000020004" pitchFamily="50" charset="-127"/>
             </a:endParaRPr>
           </a:p>
         </p:txBody>
@@ -19692,6 +20157,8 @@
                 <a:solidFill>
                   <a:schemeClr val="tx1"/>
                 </a:solidFill>
+                <a:latin typeface="맑은 고딕" panose="020B0503020000020004" pitchFamily="50" charset="-127"/>
+                <a:ea typeface="맑은 고딕" panose="020B0503020000020004" pitchFamily="50" charset="-127"/>
               </a:rPr>
               <a:t>D[</a:t>
             </a:r>
@@ -19700,6 +20167,8 @@
                 <a:solidFill>
                   <a:schemeClr val="tx1"/>
                 </a:solidFill>
+                <a:latin typeface="맑은 고딕" panose="020B0503020000020004" pitchFamily="50" charset="-127"/>
+                <a:ea typeface="맑은 고딕" panose="020B0503020000020004" pitchFamily="50" charset="-127"/>
               </a:rPr>
               <a:t>i</a:t>
             </a:r>
@@ -19708,6 +20177,8 @@
                 <a:solidFill>
                   <a:schemeClr val="tx1"/>
                 </a:solidFill>
+                <a:latin typeface="맑은 고딕" panose="020B0503020000020004" pitchFamily="50" charset="-127"/>
+                <a:ea typeface="맑은 고딕" panose="020B0503020000020004" pitchFamily="50" charset="-127"/>
               </a:rPr>
               <a:t>] : 1</a:t>
             </a:r>
@@ -19716,6 +20187,8 @@
                 <a:solidFill>
                   <a:schemeClr val="tx1"/>
                 </a:solidFill>
+                <a:latin typeface="맑은 고딕" panose="020B0503020000020004" pitchFamily="50" charset="-127"/>
+                <a:ea typeface="맑은 고딕" panose="020B0503020000020004" pitchFamily="50" charset="-127"/>
               </a:rPr>
               <a:t>부터 </a:t>
             </a:r>
@@ -19724,6 +20197,8 @@
                 <a:solidFill>
                   <a:schemeClr val="tx1"/>
                 </a:solidFill>
+                <a:latin typeface="맑은 고딕" panose="020B0503020000020004" pitchFamily="50" charset="-127"/>
+                <a:ea typeface="맑은 고딕" panose="020B0503020000020004" pitchFamily="50" charset="-127"/>
               </a:rPr>
               <a:t>i</a:t>
             </a:r>
@@ -19732,6 +20207,8 @@
                 <a:solidFill>
                   <a:schemeClr val="tx1"/>
                 </a:solidFill>
+                <a:latin typeface="맑은 고딕" panose="020B0503020000020004" pitchFamily="50" charset="-127"/>
+                <a:ea typeface="맑은 고딕" panose="020B0503020000020004" pitchFamily="50" charset="-127"/>
               </a:rPr>
               <a:t>번째 수까지 출현 횟수</a:t>
             </a:r>
@@ -19739,6 +20216,8 @@
               <a:solidFill>
                 <a:schemeClr val="tx1"/>
               </a:solidFill>
+              <a:latin typeface="맑은 고딕" panose="020B0503020000020004" pitchFamily="50" charset="-127"/>
+              <a:ea typeface="맑은 고딕" panose="020B0503020000020004" pitchFamily="50" charset="-127"/>
             </a:endParaRPr>
           </a:p>
           <a:p>
@@ -19748,6 +20227,8 @@
                 <a:solidFill>
                   <a:schemeClr val="tx1"/>
                 </a:solidFill>
+                <a:latin typeface="맑은 고딕" panose="020B0503020000020004" pitchFamily="50" charset="-127"/>
+                <a:ea typeface="맑은 고딕" panose="020B0503020000020004" pitchFamily="50" charset="-127"/>
               </a:rPr>
               <a:t>D[1]</a:t>
             </a:r>
@@ -19756,6 +20237,8 @@
                 <a:solidFill>
                   <a:schemeClr val="tx1"/>
                 </a:solidFill>
+                <a:latin typeface="맑은 고딕" panose="020B0503020000020004" pitchFamily="50" charset="-127"/>
+                <a:ea typeface="맑은 고딕" panose="020B0503020000020004" pitchFamily="50" charset="-127"/>
               </a:rPr>
               <a:t>은 짝수</a:t>
             </a:r>
@@ -19763,6 +20246,8 @@
               <a:solidFill>
                 <a:schemeClr val="tx1"/>
               </a:solidFill>
+              <a:latin typeface="맑은 고딕" panose="020B0503020000020004" pitchFamily="50" charset="-127"/>
+              <a:ea typeface="맑은 고딕" panose="020B0503020000020004" pitchFamily="50" charset="-127"/>
             </a:endParaRPr>
           </a:p>
           <a:p>
@@ -19772,6 +20257,8 @@
                 <a:solidFill>
                   <a:schemeClr val="tx1"/>
                 </a:solidFill>
+                <a:latin typeface="맑은 고딕" panose="020B0503020000020004" pitchFamily="50" charset="-127"/>
+                <a:ea typeface="맑은 고딕" panose="020B0503020000020004" pitchFamily="50" charset="-127"/>
               </a:rPr>
               <a:t>D[2]</a:t>
             </a:r>
@@ -19780,6 +20267,8 @@
                 <a:solidFill>
                   <a:schemeClr val="tx1"/>
                 </a:solidFill>
+                <a:latin typeface="맑은 고딕" panose="020B0503020000020004" pitchFamily="50" charset="-127"/>
+                <a:ea typeface="맑은 고딕" panose="020B0503020000020004" pitchFamily="50" charset="-127"/>
               </a:rPr>
               <a:t>도 짝수</a:t>
             </a:r>
@@ -19787,6 +20276,8 @@
               <a:solidFill>
                 <a:schemeClr val="tx1"/>
               </a:solidFill>
+              <a:latin typeface="맑은 고딕" panose="020B0503020000020004" pitchFamily="50" charset="-127"/>
+              <a:ea typeface="맑은 고딕" panose="020B0503020000020004" pitchFamily="50" charset="-127"/>
             </a:endParaRPr>
           </a:p>
           <a:p>
@@ -19796,6 +20287,8 @@
                 <a:solidFill>
                   <a:schemeClr val="tx1"/>
                 </a:solidFill>
+                <a:latin typeface="맑은 고딕" panose="020B0503020000020004" pitchFamily="50" charset="-127"/>
+                <a:ea typeface="맑은 고딕" panose="020B0503020000020004" pitchFamily="50" charset="-127"/>
               </a:rPr>
               <a:t>D[3]</a:t>
             </a:r>
@@ -19804,6 +20297,8 @@
                 <a:solidFill>
                   <a:schemeClr val="tx1"/>
                 </a:solidFill>
+                <a:latin typeface="맑은 고딕" panose="020B0503020000020004" pitchFamily="50" charset="-127"/>
+                <a:ea typeface="맑은 고딕" panose="020B0503020000020004" pitchFamily="50" charset="-127"/>
               </a:rPr>
               <a:t>도 짝수</a:t>
             </a:r>
@@ -19811,6 +20306,8 @@
               <a:solidFill>
                 <a:schemeClr val="tx1"/>
               </a:solidFill>
+              <a:latin typeface="맑은 고딕" panose="020B0503020000020004" pitchFamily="50" charset="-127"/>
+              <a:ea typeface="맑은 고딕" panose="020B0503020000020004" pitchFamily="50" charset="-127"/>
             </a:endParaRPr>
           </a:p>
           <a:p>
@@ -19820,6 +20317,8 @@
                 <a:solidFill>
                   <a:srgbClr val="FF0000"/>
                 </a:solidFill>
+                <a:latin typeface="맑은 고딕" panose="020B0503020000020004" pitchFamily="50" charset="-127"/>
+                <a:ea typeface="맑은 고딕" panose="020B0503020000020004" pitchFamily="50" charset="-127"/>
               </a:rPr>
               <a:t>D[4]</a:t>
             </a:r>
@@ -19828,6 +20327,8 @@
                 <a:solidFill>
                   <a:srgbClr val="FF0000"/>
                 </a:solidFill>
+                <a:latin typeface="맑은 고딕" panose="020B0503020000020004" pitchFamily="50" charset="-127"/>
+                <a:ea typeface="맑은 고딕" panose="020B0503020000020004" pitchFamily="50" charset="-127"/>
               </a:rPr>
               <a:t>는 홀수</a:t>
             </a:r>
@@ -19835,6 +20336,8 @@
               <a:solidFill>
                 <a:srgbClr val="FF0000"/>
               </a:solidFill>
+              <a:latin typeface="맑은 고딕" panose="020B0503020000020004" pitchFamily="50" charset="-127"/>
+              <a:ea typeface="맑은 고딕" panose="020B0503020000020004" pitchFamily="50" charset="-127"/>
             </a:endParaRPr>
           </a:p>
           <a:p>
@@ -19844,6 +20347,8 @@
                 <a:solidFill>
                   <a:schemeClr val="tx1"/>
                 </a:solidFill>
+                <a:latin typeface="맑은 고딕" panose="020B0503020000020004" pitchFamily="50" charset="-127"/>
+                <a:ea typeface="맑은 고딕" panose="020B0503020000020004" pitchFamily="50" charset="-127"/>
               </a:rPr>
               <a:t>…</a:t>
             </a:r>
@@ -19855,6 +20360,8 @@
                 <a:solidFill>
                   <a:schemeClr val="tx1"/>
                 </a:solidFill>
+                <a:latin typeface="맑은 고딕" panose="020B0503020000020004" pitchFamily="50" charset="-127"/>
+                <a:ea typeface="맑은 고딕" panose="020B0503020000020004" pitchFamily="50" charset="-127"/>
               </a:rPr>
               <a:t>D[4</a:t>
             </a:r>
@@ -19863,6 +20370,8 @@
                 <a:solidFill>
                   <a:schemeClr val="tx1"/>
                 </a:solidFill>
+                <a:latin typeface="맑은 고딕" panose="020B0503020000020004" pitchFamily="50" charset="-127"/>
+                <a:ea typeface="맑은 고딕" panose="020B0503020000020004" pitchFamily="50" charset="-127"/>
               </a:rPr>
               <a:t>보다 큰 수</a:t>
             </a:r>
@@ -19871,6 +20380,8 @@
                 <a:solidFill>
                   <a:schemeClr val="tx1"/>
                 </a:solidFill>
+                <a:latin typeface="맑은 고딕" panose="020B0503020000020004" pitchFamily="50" charset="-127"/>
+                <a:ea typeface="맑은 고딕" panose="020B0503020000020004" pitchFamily="50" charset="-127"/>
               </a:rPr>
               <a:t>]</a:t>
             </a:r>
@@ -19879,6 +20390,8 @@
                 <a:solidFill>
                   <a:schemeClr val="tx1"/>
                 </a:solidFill>
+                <a:latin typeface="맑은 고딕" panose="020B0503020000020004" pitchFamily="50" charset="-127"/>
+                <a:ea typeface="맑은 고딕" panose="020B0503020000020004" pitchFamily="50" charset="-127"/>
               </a:rPr>
               <a:t>는 홀수</a:t>
             </a:r>
@@ -19934,12 +20447,12 @@
         <p:spPr>
           <a:xfrm>
             <a:off x="205059" y="235390"/>
-            <a:ext cx="6834933" cy="592260"/>
+            <a:ext cx="7287694" cy="592260"/>
           </a:xfrm>
         </p:spPr>
         <p:txBody>
           <a:bodyPr rtlCol="0">
-            <a:normAutofit/>
+            <a:normAutofit fontScale="90000"/>
           </a:bodyPr>
           <a:lstStyle/>
           <a:p>
@@ -19958,11 +20471,11 @@
             </a:r>
             <a:r>
               <a:rPr lang="ko-KR" altLang="en-US" dirty="0"/>
-              <a:t>접근</a:t>
+              <a:t>매개변수 탐색</a:t>
             </a:r>
             <a:r>
               <a:rPr lang="en-US" altLang="ko-KR" dirty="0"/>
-              <a:t>3(</a:t>
+              <a:t>(</a:t>
             </a:r>
             <a:r>
               <a:rPr lang="ko-KR" altLang="en-US" dirty="0"/>
@@ -19978,114 +20491,6 @@
       </p:sp>
       <p:sp>
         <p:nvSpPr>
-          <p:cNvPr id="22" name="슬라이드 번호 개체 틀 21">
-            <a:extLst>
-              <a:ext uri="{FF2B5EF4-FFF2-40B4-BE49-F238E27FC236}">
-                <a16:creationId xmlns:a16="http://schemas.microsoft.com/office/drawing/2014/main" id="{5D1BD041-3428-4D62-934F-F3FF6D36F90F}"/>
-              </a:ext>
-            </a:extLst>
-          </p:cNvPr>
-          <p:cNvSpPr>
-            <a:spLocks noGrp="1"/>
-          </p:cNvSpPr>
-          <p:nvPr>
-            <p:ph type="sldNum" sz="quarter" idx="22"/>
-          </p:nvPr>
-        </p:nvSpPr>
-        <p:spPr>
-          <a:xfrm>
-            <a:off x="5515285" y="6120960"/>
-            <a:ext cx="653143" cy="365125"/>
-          </a:xfrm>
-        </p:spPr>
-        <p:txBody>
-          <a:bodyPr rtlCol="0"/>
-          <a:lstStyle/>
-          <a:p>
-            <a:pPr rtl="0"/>
-            <a:fld id="{B5CEABB6-07DC-46E8-9B57-56EC44A396E5}" type="slidenum">
-              <a:rPr lang="en-US" altLang="ko-KR" smtClean="0"/>
-              <a:pPr rtl="0"/>
-              <a:t>11</a:t>
-            </a:fld>
-            <a:endParaRPr lang="ko-KR" altLang="en-US"/>
-          </a:p>
-        </p:txBody>
-      </p:sp>
-      <p:sp>
-        <p:nvSpPr>
-          <p:cNvPr id="5" name="TextBox 4">
-            <a:extLst>
-              <a:ext uri="{FF2B5EF4-FFF2-40B4-BE49-F238E27FC236}">
-                <a16:creationId xmlns:a16="http://schemas.microsoft.com/office/drawing/2014/main" id="{ABE28561-8D11-D16B-BB8C-DADA3DD63ED5}"/>
-              </a:ext>
-            </a:extLst>
-          </p:cNvPr>
-          <p:cNvSpPr txBox="1"/>
-          <p:nvPr/>
-        </p:nvSpPr>
-        <p:spPr>
-          <a:xfrm>
-            <a:off x="416196" y="769708"/>
-            <a:ext cx="806638" cy="369332"/>
-          </a:xfrm>
-          <a:prstGeom prst="rect">
-            <a:avLst/>
-          </a:prstGeom>
-          <a:noFill/>
-        </p:spPr>
-        <p:txBody>
-          <a:bodyPr wrap="square" rtlCol="0">
-            <a:spAutoFit/>
-          </a:bodyPr>
-          <a:lstStyle/>
-          <a:p>
-            <a:r>
-              <a:rPr lang="en-US" altLang="ko-KR" dirty="0"/>
-              <a:t>low</a:t>
-            </a:r>
-            <a:endParaRPr lang="ko-KR" altLang="en-US" dirty="0"/>
-          </a:p>
-        </p:txBody>
-      </p:sp>
-      <p:sp>
-        <p:nvSpPr>
-          <p:cNvPr id="9" name="TextBox 8">
-            <a:extLst>
-              <a:ext uri="{FF2B5EF4-FFF2-40B4-BE49-F238E27FC236}">
-                <a16:creationId xmlns:a16="http://schemas.microsoft.com/office/drawing/2014/main" id="{0CE51696-FDB8-B5CD-569C-0FDA9D5B34D2}"/>
-              </a:ext>
-            </a:extLst>
-          </p:cNvPr>
-          <p:cNvSpPr txBox="1"/>
-          <p:nvPr/>
-        </p:nvSpPr>
-        <p:spPr>
-          <a:xfrm>
-            <a:off x="1303084" y="769708"/>
-            <a:ext cx="806638" cy="369332"/>
-          </a:xfrm>
-          <a:prstGeom prst="rect">
-            <a:avLst/>
-          </a:prstGeom>
-          <a:noFill/>
-        </p:spPr>
-        <p:txBody>
-          <a:bodyPr wrap="square" rtlCol="0">
-            <a:spAutoFit/>
-          </a:bodyPr>
-          <a:lstStyle/>
-          <a:p>
-            <a:r>
-              <a:rPr lang="en-US" altLang="ko-KR" dirty="0"/>
-              <a:t>high</a:t>
-            </a:r>
-            <a:endParaRPr lang="ko-KR" altLang="en-US" dirty="0"/>
-          </a:p>
-        </p:txBody>
-      </p:sp>
-      <p:sp>
-        <p:nvSpPr>
           <p:cNvPr id="21" name="직사각형 20">
             <a:extLst>
               <a:ext uri="{FF2B5EF4-FFF2-40B4-BE49-F238E27FC236}">
@@ -20098,8 +20503,8 @@
         </p:nvSpPr>
         <p:spPr>
           <a:xfrm>
-            <a:off x="205059" y="2222676"/>
-            <a:ext cx="6355540" cy="1417170"/>
+            <a:off x="205059" y="2207548"/>
+            <a:ext cx="6666521" cy="2729570"/>
           </a:xfrm>
           <a:prstGeom prst="rect">
             <a:avLst/>
@@ -20131,98 +20536,133 @@
                 <a:solidFill>
                   <a:schemeClr val="tx1"/>
                 </a:solidFill>
+                <a:latin typeface="맑은 고딕" panose="020B0503020000020004" pitchFamily="50" charset="-127"/>
+                <a:ea typeface="맑은 고딕" panose="020B0503020000020004" pitchFamily="50" charset="-127"/>
               </a:rPr>
-              <a:t>While</a:t>
+              <a:t>low</a:t>
             </a:r>
             <a:r>
               <a:rPr lang="ko-KR" altLang="en-US" dirty="0">
                 <a:solidFill>
                   <a:schemeClr val="tx1"/>
                 </a:solidFill>
+                <a:latin typeface="맑은 고딕" panose="020B0503020000020004" pitchFamily="50" charset="-127"/>
+                <a:ea typeface="맑은 고딕" panose="020B0503020000020004" pitchFamily="50" charset="-127"/>
               </a:rPr>
-              <a:t>문을 빠져나왔지만 </a:t>
+              <a:t>초기값을 </a:t>
             </a:r>
             <a:r>
               <a:rPr lang="en-US" altLang="ko-KR" dirty="0">
                 <a:solidFill>
                   <a:schemeClr val="tx1"/>
                 </a:solidFill>
+                <a:latin typeface="맑은 고딕" panose="020B0503020000020004" pitchFamily="50" charset="-127"/>
+                <a:ea typeface="맑은 고딕" panose="020B0503020000020004" pitchFamily="50" charset="-127"/>
               </a:rPr>
-              <a:t>Mid</a:t>
+              <a:t>0, high </a:t>
             </a:r>
             <a:r>
               <a:rPr lang="ko-KR" altLang="en-US" dirty="0">
                 <a:solidFill>
                   <a:schemeClr val="tx1"/>
                 </a:solidFill>
+                <a:latin typeface="맑은 고딕" panose="020B0503020000020004" pitchFamily="50" charset="-127"/>
+                <a:ea typeface="맑은 고딕" panose="020B0503020000020004" pitchFamily="50" charset="-127"/>
               </a:rPr>
-              <a:t>가 </a:t>
+              <a:t>초기값을 </a:t>
             </a:r>
             <a:r>
               <a:rPr lang="en-US" altLang="ko-KR" dirty="0">
                 <a:solidFill>
                   <a:schemeClr val="tx1"/>
                 </a:solidFill>
+                <a:latin typeface="맑은 고딕" panose="020B0503020000020004" pitchFamily="50" charset="-127"/>
+                <a:ea typeface="맑은 고딕" panose="020B0503020000020004" pitchFamily="50" charset="-127"/>
               </a:rPr>
-              <a:t>1</a:t>
+              <a:t>INT_MAX + 1</a:t>
+            </a:r>
+          </a:p>
+          <a:p>
+            <a:pPr algn="ctr"/>
+            <a:r>
+              <a:rPr lang="en-US" altLang="ko-KR" dirty="0">
+                <a:solidFill>
+                  <a:schemeClr val="tx1"/>
+                </a:solidFill>
+                <a:latin typeface="맑은 고딕" panose="020B0503020000020004" pitchFamily="50" charset="-127"/>
+                <a:ea typeface="맑은 고딕" panose="020B0503020000020004" pitchFamily="50" charset="-127"/>
+              </a:rPr>
+              <a:t>while</a:t>
             </a:r>
             <a:r>
               <a:rPr lang="ko-KR" altLang="en-US" dirty="0">
                 <a:solidFill>
                   <a:schemeClr val="tx1"/>
                 </a:solidFill>
+                <a:latin typeface="맑은 고딕" panose="020B0503020000020004" pitchFamily="50" charset="-127"/>
+                <a:ea typeface="맑은 고딕" panose="020B0503020000020004" pitchFamily="50" charset="-127"/>
               </a:rPr>
-              <a:t>일 때를 확인해야 함</a:t>
+              <a:t>문 안에서 가능한 모든 정수를 확인하고 나옴</a:t>
             </a:r>
             <a:endParaRPr lang="en-US" altLang="ko-KR" dirty="0">
               <a:solidFill>
                 <a:schemeClr val="tx1"/>
               </a:solidFill>
+              <a:latin typeface="맑은 고딕" panose="020B0503020000020004" pitchFamily="50" charset="-127"/>
+              <a:ea typeface="맑은 고딕" panose="020B0503020000020004" pitchFamily="50" charset="-127"/>
             </a:endParaRPr>
           </a:p>
           <a:p>
             <a:pPr algn="ctr"/>
+            <a:endParaRPr lang="en-US" altLang="ko-KR" dirty="0">
+              <a:solidFill>
+                <a:schemeClr val="tx1"/>
+              </a:solidFill>
+              <a:latin typeface="맑은 고딕" panose="020B0503020000020004" pitchFamily="50" charset="-127"/>
+              <a:ea typeface="맑은 고딕" panose="020B0503020000020004" pitchFamily="50" charset="-127"/>
+            </a:endParaRPr>
+          </a:p>
+          <a:p>
+            <a:pPr algn="ctr"/>
             <a:r>
               <a:rPr lang="en-US" altLang="ko-KR" dirty="0">
                 <a:solidFill>
                   <a:schemeClr val="tx1"/>
                 </a:solidFill>
+                <a:latin typeface="맑은 고딕" panose="020B0503020000020004" pitchFamily="50" charset="-127"/>
+                <a:ea typeface="맑은 고딕" panose="020B0503020000020004" pitchFamily="50" charset="-127"/>
               </a:rPr>
-              <a:t>sum</a:t>
+              <a:t>=&gt; </a:t>
             </a:r>
             <a:r>
               <a:rPr lang="ko-KR" altLang="en-US" dirty="0">
                 <a:solidFill>
                   <a:schemeClr val="tx1"/>
                 </a:solidFill>
+                <a:latin typeface="맑은 고딕" panose="020B0503020000020004" pitchFamily="50" charset="-127"/>
+                <a:ea typeface="맑은 고딕" panose="020B0503020000020004" pitchFamily="50" charset="-127"/>
               </a:rPr>
-              <a:t>이 홀수면 </a:t>
-            </a:r>
-            <a:r>
-              <a:rPr lang="en-US" altLang="ko-KR" dirty="0" err="1">
+              <a:t>추가적 예외처리 필요 </a:t>
+            </a:r>
+            <a:r>
+              <a:rPr lang="en-US" altLang="ko-KR" dirty="0">
                 <a:solidFill>
                   <a:schemeClr val="tx1"/>
                 </a:solidFill>
+                <a:latin typeface="맑은 고딕" panose="020B0503020000020004" pitchFamily="50" charset="-127"/>
+                <a:ea typeface="맑은 고딕" panose="020B0503020000020004" pitchFamily="50" charset="-127"/>
               </a:rPr>
-              <a:t>ans</a:t>
-            </a:r>
-            <a:r>
-              <a:rPr lang="en-US" altLang="ko-KR" dirty="0">
-                <a:solidFill>
-                  <a:schemeClr val="tx1"/>
-                </a:solidFill>
-              </a:rPr>
-              <a:t> = 1</a:t>
+              <a:t>x</a:t>
             </a:r>
           </a:p>
         </p:txBody>
       </p:sp>
       <p:graphicFrame>
         <p:nvGraphicFramePr>
-          <p:cNvPr id="31" name="표 6">
-            <a:extLst>
-              <a:ext uri="{FF2B5EF4-FFF2-40B4-BE49-F238E27FC236}">
-                <a16:creationId xmlns:a16="http://schemas.microsoft.com/office/drawing/2014/main" id="{B7E2F28D-B82D-EDD3-730F-7197F7E08134}"/>
+          <p:cNvPr id="23" name="표 6">
+            <a:extLst>
+              <a:ext uri="{FF2B5EF4-FFF2-40B4-BE49-F238E27FC236}">
+                <a16:creationId xmlns:a16="http://schemas.microsoft.com/office/drawing/2014/main" id="{185AD025-7E3B-7296-3153-48F63225CEA3}"/>
               </a:ext>
             </a:extLst>
           </p:cNvPr>
@@ -20232,13 +20672,13 @@
           <p:nvPr>
             <p:extLst>
               <p:ext uri="{D42A27DB-BD31-4B8C-83A1-F6EECF244321}">
-                <p14:modId xmlns:p14="http://schemas.microsoft.com/office/powerpoint/2010/main" val="1844239795"/>
+                <p14:modId xmlns:p14="http://schemas.microsoft.com/office/powerpoint/2010/main" val="217886955"/>
               </p:ext>
             </p:extLst>
           </p:nvPr>
         </p:nvGraphicFramePr>
         <p:xfrm>
-          <a:off x="205059" y="1097279"/>
+          <a:off x="257343" y="988184"/>
           <a:ext cx="9081970" cy="987299"/>
         </p:xfrm>
         <a:graphic>
@@ -20332,14 +20772,14 @@
                       <a:r>
                         <a:rPr lang="en-US" altLang="ko-KR" sz="4000" dirty="0">
                           <a:solidFill>
-                            <a:srgbClr val="FF0000"/>
+                            <a:schemeClr val="tx1"/>
                           </a:solidFill>
                         </a:rPr>
                         <a:t>?</a:t>
                       </a:r>
                       <a:endParaRPr lang="ko-KR" altLang="en-US" sz="4000" dirty="0">
                         <a:solidFill>
-                          <a:srgbClr val="FF0000"/>
+                          <a:schemeClr val="tx1"/>
                         </a:solidFill>
                       </a:endParaRPr>
                     </a:p>
@@ -20358,14 +20798,14 @@
                       <a:r>
                         <a:rPr lang="en-US" altLang="ko-KR" sz="4000" dirty="0">
                           <a:solidFill>
-                            <a:schemeClr val="tx1"/>
+                            <a:srgbClr val="00B050"/>
                           </a:solidFill>
                         </a:rPr>
-                        <a:t>T</a:t>
+                        <a:t>?</a:t>
                       </a:r>
                       <a:endParaRPr lang="ko-KR" altLang="en-US" sz="4000" dirty="0">
                         <a:solidFill>
-                          <a:schemeClr val="tx1"/>
+                          <a:srgbClr val="00B050"/>
                         </a:solidFill>
                       </a:endParaRPr>
                     </a:p>
@@ -20590,217 +21030,12 @@
           </a:graphicData>
         </a:graphic>
       </p:graphicFrame>
-      <p:sp>
-        <p:nvSpPr>
-          <p:cNvPr id="8" name="TextBox 7">
-            <a:extLst>
-              <a:ext uri="{FF2B5EF4-FFF2-40B4-BE49-F238E27FC236}">
-                <a16:creationId xmlns:a16="http://schemas.microsoft.com/office/drawing/2014/main" id="{AFAAB449-A0EA-49D4-B087-213CC509B005}"/>
-              </a:ext>
-            </a:extLst>
-          </p:cNvPr>
-          <p:cNvSpPr txBox="1"/>
-          <p:nvPr/>
-        </p:nvSpPr>
-        <p:spPr>
-          <a:xfrm>
-            <a:off x="7660374" y="3731592"/>
-            <a:ext cx="806638" cy="369332"/>
-          </a:xfrm>
-          <a:prstGeom prst="rect">
-            <a:avLst/>
-          </a:prstGeom>
-          <a:noFill/>
-        </p:spPr>
-        <p:txBody>
-          <a:bodyPr wrap="square" rtlCol="0">
-            <a:spAutoFit/>
-          </a:bodyPr>
-          <a:lstStyle/>
-          <a:p>
-            <a:r>
-              <a:rPr lang="en-US" altLang="ko-KR" dirty="0"/>
-              <a:t>low</a:t>
-            </a:r>
-            <a:endParaRPr lang="ko-KR" altLang="en-US" dirty="0"/>
-          </a:p>
-        </p:txBody>
-      </p:sp>
-      <p:sp>
-        <p:nvSpPr>
-          <p:cNvPr id="12" name="TextBox 11">
-            <a:extLst>
-              <a:ext uri="{FF2B5EF4-FFF2-40B4-BE49-F238E27FC236}">
-                <a16:creationId xmlns:a16="http://schemas.microsoft.com/office/drawing/2014/main" id="{C83CD8CB-7B1F-6A04-DA9A-43F47D9D0501}"/>
-              </a:ext>
-            </a:extLst>
-          </p:cNvPr>
-          <p:cNvSpPr txBox="1"/>
-          <p:nvPr/>
-        </p:nvSpPr>
-        <p:spPr>
-          <a:xfrm>
-            <a:off x="8556140" y="3710711"/>
-            <a:ext cx="806638" cy="369332"/>
-          </a:xfrm>
-          <a:prstGeom prst="rect">
-            <a:avLst/>
-          </a:prstGeom>
-          <a:noFill/>
-        </p:spPr>
-        <p:txBody>
-          <a:bodyPr wrap="square" rtlCol="0">
-            <a:spAutoFit/>
-          </a:bodyPr>
-          <a:lstStyle/>
-          <a:p>
-            <a:r>
-              <a:rPr lang="en-US" altLang="ko-KR" dirty="0"/>
-              <a:t>high</a:t>
-            </a:r>
-            <a:endParaRPr lang="ko-KR" altLang="en-US" dirty="0"/>
-          </a:p>
-        </p:txBody>
-      </p:sp>
-      <p:sp>
-        <p:nvSpPr>
-          <p:cNvPr id="13" name="직사각형 12">
-            <a:extLst>
-              <a:ext uri="{FF2B5EF4-FFF2-40B4-BE49-F238E27FC236}">
-                <a16:creationId xmlns:a16="http://schemas.microsoft.com/office/drawing/2014/main" id="{941E581F-D3BD-87C6-D236-C89B2EC2A588}"/>
-              </a:ext>
-            </a:extLst>
-          </p:cNvPr>
-          <p:cNvSpPr/>
-          <p:nvPr/>
-        </p:nvSpPr>
-        <p:spPr>
-          <a:xfrm>
-            <a:off x="205059" y="5205440"/>
-            <a:ext cx="6355540" cy="1417170"/>
-          </a:xfrm>
-          <a:prstGeom prst="rect">
-            <a:avLst/>
-          </a:prstGeom>
-        </p:spPr>
-        <p:style>
-          <a:lnRef idx="2">
-            <a:schemeClr val="accent1">
-              <a:shade val="50000"/>
-            </a:schemeClr>
-          </a:lnRef>
-          <a:fillRef idx="1">
-            <a:schemeClr val="accent1"/>
-          </a:fillRef>
-          <a:effectRef idx="0">
-            <a:schemeClr val="accent1"/>
-          </a:effectRef>
-          <a:fontRef idx="minor">
-            <a:schemeClr val="lt1"/>
-          </a:fontRef>
-        </p:style>
-        <p:txBody>
-          <a:bodyPr rtlCol="0" anchor="ctr"/>
-          <a:lstStyle/>
-          <a:p>
-            <a:pPr algn="ctr"/>
-            <a:r>
-              <a:rPr lang="en-US" altLang="ko-KR" dirty="0">
-                <a:solidFill>
-                  <a:schemeClr val="tx1"/>
-                </a:solidFill>
-              </a:rPr>
-              <a:t>While</a:t>
-            </a:r>
-            <a:r>
-              <a:rPr lang="ko-KR" altLang="en-US" dirty="0">
-                <a:solidFill>
-                  <a:schemeClr val="tx1"/>
-                </a:solidFill>
-              </a:rPr>
-              <a:t>문을 빠져나왔지만 </a:t>
-            </a:r>
-            <a:r>
-              <a:rPr lang="en-US" altLang="ko-KR" dirty="0">
-                <a:solidFill>
-                  <a:schemeClr val="tx1"/>
-                </a:solidFill>
-              </a:rPr>
-              <a:t>Mid</a:t>
-            </a:r>
-            <a:r>
-              <a:rPr lang="ko-KR" altLang="en-US" dirty="0">
-                <a:solidFill>
-                  <a:schemeClr val="tx1"/>
-                </a:solidFill>
-              </a:rPr>
-              <a:t>가 </a:t>
-            </a:r>
-            <a:r>
-              <a:rPr lang="en-US" altLang="ko-KR" dirty="0">
-                <a:solidFill>
-                  <a:schemeClr val="tx1"/>
-                </a:solidFill>
-              </a:rPr>
-              <a:t>INT_MAX</a:t>
-            </a:r>
-            <a:r>
-              <a:rPr lang="ko-KR" altLang="en-US" dirty="0">
-                <a:solidFill>
-                  <a:schemeClr val="tx1"/>
-                </a:solidFill>
-              </a:rPr>
-              <a:t>일 때를 확인해야 함</a:t>
-            </a:r>
-            <a:endParaRPr lang="en-US" altLang="ko-KR" dirty="0">
-              <a:solidFill>
-                <a:schemeClr val="tx1"/>
-              </a:solidFill>
-            </a:endParaRPr>
-          </a:p>
-          <a:p>
-            <a:pPr algn="ctr"/>
-            <a:r>
-              <a:rPr lang="en-US" altLang="ko-KR" dirty="0">
-                <a:solidFill>
-                  <a:schemeClr val="tx1"/>
-                </a:solidFill>
-              </a:rPr>
-              <a:t>sum</a:t>
-            </a:r>
-            <a:r>
-              <a:rPr lang="ko-KR" altLang="en-US" dirty="0">
-                <a:solidFill>
-                  <a:schemeClr val="tx1"/>
-                </a:solidFill>
-              </a:rPr>
-              <a:t>이 홀수면 </a:t>
-            </a:r>
-            <a:r>
-              <a:rPr lang="en-US" altLang="ko-KR" dirty="0" err="1">
-                <a:solidFill>
-                  <a:schemeClr val="tx1"/>
-                </a:solidFill>
-              </a:rPr>
-              <a:t>ans</a:t>
-            </a:r>
-            <a:r>
-              <a:rPr lang="en-US" altLang="ko-KR" dirty="0">
-                <a:solidFill>
-                  <a:schemeClr val="tx1"/>
-                </a:solidFill>
-              </a:rPr>
-              <a:t> = 1</a:t>
-            </a:r>
-          </a:p>
-        </p:txBody>
-      </p:sp>
       <p:graphicFrame>
         <p:nvGraphicFramePr>
-          <p:cNvPr id="20" name="표 6">
-            <a:extLst>
-              <a:ext uri="{FF2B5EF4-FFF2-40B4-BE49-F238E27FC236}">
-                <a16:creationId xmlns:a16="http://schemas.microsoft.com/office/drawing/2014/main" id="{07268AD8-664D-21B2-5761-C271E4A53045}"/>
+          <p:cNvPr id="24" name="표 6">
+            <a:extLst>
+              <a:ext uri="{FF2B5EF4-FFF2-40B4-BE49-F238E27FC236}">
+                <a16:creationId xmlns:a16="http://schemas.microsoft.com/office/drawing/2014/main" id="{DA3FD103-DAD2-42D7-7071-B00CFC99888E}"/>
               </a:ext>
             </a:extLst>
           </p:cNvPr>
@@ -20810,13 +21045,13 @@
           <p:nvPr>
             <p:extLst>
               <p:ext uri="{D42A27DB-BD31-4B8C-83A1-F6EECF244321}">
-                <p14:modId xmlns:p14="http://schemas.microsoft.com/office/powerpoint/2010/main" val="1889735143"/>
+                <p14:modId xmlns:p14="http://schemas.microsoft.com/office/powerpoint/2010/main" val="3224818095"/>
               </p:ext>
             </p:extLst>
           </p:nvPr>
         </p:nvGraphicFramePr>
         <p:xfrm>
-          <a:off x="205059" y="4080043"/>
+          <a:off x="257343" y="5305178"/>
           <a:ext cx="9081970" cy="987299"/>
         </p:xfrm>
         <a:graphic>
@@ -21118,14 +21353,14 @@
                       <a:r>
                         <a:rPr lang="en-US" altLang="ko-KR" sz="4000" dirty="0">
                           <a:solidFill>
-                            <a:schemeClr val="tx1"/>
+                            <a:srgbClr val="00B050"/>
                           </a:solidFill>
                         </a:rPr>
-                        <a:t>F</a:t>
+                        <a:t>?</a:t>
                       </a:r>
                       <a:endParaRPr lang="ko-KR" altLang="en-US" sz="4000" dirty="0">
                         <a:solidFill>
-                          <a:schemeClr val="tx1"/>
+                          <a:srgbClr val="00B050"/>
                         </a:solidFill>
                       </a:endParaRPr>
                     </a:p>
@@ -21144,14 +21379,14 @@
                       <a:r>
                         <a:rPr lang="en-US" altLang="ko-KR" sz="4000" dirty="0">
                           <a:solidFill>
-                            <a:srgbClr val="FF0000"/>
+                            <a:schemeClr val="tx1"/>
                           </a:solidFill>
                         </a:rPr>
                         <a:t>?</a:t>
                       </a:r>
                       <a:endParaRPr lang="ko-KR" altLang="en-US" sz="4000" dirty="0">
                         <a:solidFill>
-                          <a:srgbClr val="FF0000"/>
+                          <a:schemeClr val="tx1"/>
                         </a:solidFill>
                       </a:endParaRPr>
                     </a:p>
@@ -21168,6 +21403,327 @@
           </a:graphicData>
         </a:graphic>
       </p:graphicFrame>
+      <p:sp>
+        <p:nvSpPr>
+          <p:cNvPr id="25" name="TextBox 24">
+            <a:extLst>
+              <a:ext uri="{FF2B5EF4-FFF2-40B4-BE49-F238E27FC236}">
+                <a16:creationId xmlns:a16="http://schemas.microsoft.com/office/drawing/2014/main" id="{7080A791-60ED-EB6B-A48E-461D3D72F224}"/>
+              </a:ext>
+            </a:extLst>
+          </p:cNvPr>
+          <p:cNvSpPr txBox="1"/>
+          <p:nvPr/>
+        </p:nvSpPr>
+        <p:spPr>
+          <a:xfrm>
+            <a:off x="579334" y="722804"/>
+            <a:ext cx="796793" cy="369332"/>
+          </a:xfrm>
+          <a:prstGeom prst="rect">
+            <a:avLst/>
+          </a:prstGeom>
+          <a:noFill/>
+        </p:spPr>
+        <p:txBody>
+          <a:bodyPr wrap="square" rtlCol="0">
+            <a:spAutoFit/>
+          </a:bodyPr>
+          <a:lstStyle/>
+          <a:p>
+            <a:r>
+              <a:rPr lang="en-US" altLang="ko-KR" dirty="0"/>
+              <a:t>0</a:t>
+            </a:r>
+            <a:endParaRPr lang="ko-KR" altLang="en-US" dirty="0"/>
+          </a:p>
+        </p:txBody>
+      </p:sp>
+      <p:sp>
+        <p:nvSpPr>
+          <p:cNvPr id="26" name="TextBox 25">
+            <a:extLst>
+              <a:ext uri="{FF2B5EF4-FFF2-40B4-BE49-F238E27FC236}">
+                <a16:creationId xmlns:a16="http://schemas.microsoft.com/office/drawing/2014/main" id="{23C7471B-33C5-1F32-99D7-A4B1A9DBCAE2}"/>
+              </a:ext>
+            </a:extLst>
+          </p:cNvPr>
+          <p:cNvSpPr txBox="1"/>
+          <p:nvPr/>
+        </p:nvSpPr>
+        <p:spPr>
+          <a:xfrm>
+            <a:off x="1457520" y="722804"/>
+            <a:ext cx="806638" cy="369332"/>
+          </a:xfrm>
+          <a:prstGeom prst="rect">
+            <a:avLst/>
+          </a:prstGeom>
+          <a:noFill/>
+        </p:spPr>
+        <p:txBody>
+          <a:bodyPr wrap="square" rtlCol="0">
+            <a:spAutoFit/>
+          </a:bodyPr>
+          <a:lstStyle/>
+          <a:p>
+            <a:r>
+              <a:rPr lang="en-US" altLang="ko-KR" dirty="0"/>
+              <a:t>1</a:t>
+            </a:r>
+            <a:endParaRPr lang="ko-KR" altLang="en-US" dirty="0"/>
+          </a:p>
+        </p:txBody>
+      </p:sp>
+      <p:sp>
+        <p:nvSpPr>
+          <p:cNvPr id="27" name="TextBox 26">
+            <a:extLst>
+              <a:ext uri="{FF2B5EF4-FFF2-40B4-BE49-F238E27FC236}">
+                <a16:creationId xmlns:a16="http://schemas.microsoft.com/office/drawing/2014/main" id="{54E9E6E5-E0B3-06CD-2C4B-5697EF75F888}"/>
+              </a:ext>
+            </a:extLst>
+          </p:cNvPr>
+          <p:cNvSpPr txBox="1"/>
+          <p:nvPr/>
+        </p:nvSpPr>
+        <p:spPr>
+          <a:xfrm>
+            <a:off x="7387628" y="4937674"/>
+            <a:ext cx="1087207" cy="369332"/>
+          </a:xfrm>
+          <a:prstGeom prst="rect">
+            <a:avLst/>
+          </a:prstGeom>
+          <a:noFill/>
+        </p:spPr>
+        <p:txBody>
+          <a:bodyPr wrap="square" rtlCol="0">
+            <a:spAutoFit/>
+          </a:bodyPr>
+          <a:lstStyle/>
+          <a:p>
+            <a:r>
+              <a:rPr lang="en-US" altLang="ko-KR" dirty="0"/>
+              <a:t>INT_MAX</a:t>
+            </a:r>
+            <a:endParaRPr lang="ko-KR" altLang="en-US" dirty="0"/>
+          </a:p>
+        </p:txBody>
+      </p:sp>
+      <p:sp>
+        <p:nvSpPr>
+          <p:cNvPr id="28" name="TextBox 27">
+            <a:extLst>
+              <a:ext uri="{FF2B5EF4-FFF2-40B4-BE49-F238E27FC236}">
+                <a16:creationId xmlns:a16="http://schemas.microsoft.com/office/drawing/2014/main" id="{46FB4B90-3B38-715B-DEA2-01F2738FC269}"/>
+              </a:ext>
+            </a:extLst>
+          </p:cNvPr>
+          <p:cNvSpPr txBox="1"/>
+          <p:nvPr/>
+        </p:nvSpPr>
+        <p:spPr>
+          <a:xfrm>
+            <a:off x="8240376" y="6196106"/>
+            <a:ext cx="1522122" cy="369332"/>
+          </a:xfrm>
+          <a:prstGeom prst="rect">
+            <a:avLst/>
+          </a:prstGeom>
+          <a:noFill/>
+        </p:spPr>
+        <p:txBody>
+          <a:bodyPr wrap="square" rtlCol="0">
+            <a:spAutoFit/>
+          </a:bodyPr>
+          <a:lstStyle/>
+          <a:p>
+            <a:r>
+              <a:rPr lang="en-US" altLang="ko-KR" dirty="0"/>
+              <a:t>INT_MAX + 1</a:t>
+            </a:r>
+            <a:endParaRPr lang="ko-KR" altLang="en-US" dirty="0"/>
+          </a:p>
+        </p:txBody>
+      </p:sp>
+      <p:sp>
+        <p:nvSpPr>
+          <p:cNvPr id="3" name="타원 2">
+            <a:extLst>
+              <a:ext uri="{FF2B5EF4-FFF2-40B4-BE49-F238E27FC236}">
+                <a16:creationId xmlns:a16="http://schemas.microsoft.com/office/drawing/2014/main" id="{7D90EA39-4E69-55AC-E6A3-6E66ECA4CA40}"/>
+              </a:ext>
+            </a:extLst>
+          </p:cNvPr>
+          <p:cNvSpPr/>
+          <p:nvPr/>
+        </p:nvSpPr>
+        <p:spPr>
+          <a:xfrm>
+            <a:off x="7989903" y="2503503"/>
+            <a:ext cx="3728621" cy="2161210"/>
+          </a:xfrm>
+          <a:prstGeom prst="ellipse">
+            <a:avLst/>
+          </a:prstGeom>
+        </p:spPr>
+        <p:style>
+          <a:lnRef idx="2">
+            <a:schemeClr val="accent1">
+              <a:shade val="50000"/>
+            </a:schemeClr>
+          </a:lnRef>
+          <a:fillRef idx="1">
+            <a:schemeClr val="accent1"/>
+          </a:fillRef>
+          <a:effectRef idx="0">
+            <a:schemeClr val="accent1"/>
+          </a:effectRef>
+          <a:fontRef idx="minor">
+            <a:schemeClr val="lt1"/>
+          </a:fontRef>
+        </p:style>
+        <p:txBody>
+          <a:bodyPr rtlCol="0" anchor="ctr"/>
+          <a:lstStyle/>
+          <a:p>
+            <a:pPr algn="ctr"/>
+            <a:r>
+              <a:rPr lang="en-US" altLang="ko-KR" sz="2000" dirty="0">
+                <a:solidFill>
+                  <a:schemeClr val="tx1"/>
+                </a:solidFill>
+                <a:latin typeface="맑은 고딕" panose="020B0503020000020004" pitchFamily="50" charset="-127"/>
+                <a:ea typeface="맑은 고딕" panose="020B0503020000020004" pitchFamily="50" charset="-127"/>
+              </a:rPr>
+              <a:t>while</a:t>
+            </a:r>
+            <a:r>
+              <a:rPr lang="ko-KR" altLang="en-US" sz="2000" dirty="0">
+                <a:solidFill>
+                  <a:schemeClr val="tx1"/>
+                </a:solidFill>
+                <a:latin typeface="맑은 고딕" panose="020B0503020000020004" pitchFamily="50" charset="-127"/>
+                <a:ea typeface="맑은 고딕" panose="020B0503020000020004" pitchFamily="50" charset="-127"/>
+              </a:rPr>
+              <a:t>문 안에서 동작</a:t>
+            </a:r>
+          </a:p>
+        </p:txBody>
+      </p:sp>
+      <p:sp>
+        <p:nvSpPr>
+          <p:cNvPr id="6" name="화살표: 원형 5">
+            <a:extLst>
+              <a:ext uri="{FF2B5EF4-FFF2-40B4-BE49-F238E27FC236}">
+                <a16:creationId xmlns:a16="http://schemas.microsoft.com/office/drawing/2014/main" id="{751CA47E-8728-B8DD-7CF9-7FF5119EEECD}"/>
+              </a:ext>
+            </a:extLst>
+          </p:cNvPr>
+          <p:cNvSpPr/>
+          <p:nvPr/>
+        </p:nvSpPr>
+        <p:spPr>
+          <a:xfrm rot="7084497" flipH="1">
+            <a:off x="8140447" y="1840296"/>
+            <a:ext cx="1456690" cy="1456690"/>
+          </a:xfrm>
+          <a:prstGeom prst="circularArrow">
+            <a:avLst>
+              <a:gd name="adj1" fmla="val 12500"/>
+              <a:gd name="adj2" fmla="val 1142319"/>
+              <a:gd name="adj3" fmla="val 20457681"/>
+              <a:gd name="adj4" fmla="val 17913874"/>
+              <a:gd name="adj5" fmla="val 12500"/>
+            </a:avLst>
+          </a:prstGeom>
+        </p:spPr>
+        <p:style>
+          <a:lnRef idx="2">
+            <a:schemeClr val="accent1">
+              <a:shade val="50000"/>
+            </a:schemeClr>
+          </a:lnRef>
+          <a:fillRef idx="1">
+            <a:schemeClr val="accent1"/>
+          </a:fillRef>
+          <a:effectRef idx="0">
+            <a:schemeClr val="accent1"/>
+          </a:effectRef>
+          <a:fontRef idx="minor">
+            <a:schemeClr val="lt1"/>
+          </a:fontRef>
+        </p:style>
+        <p:txBody>
+          <a:bodyPr rtlCol="0" anchor="ctr"/>
+          <a:lstStyle/>
+          <a:p>
+            <a:pPr algn="ctr"/>
+            <a:endParaRPr lang="ko-KR" altLang="en-US">
+              <a:solidFill>
+                <a:schemeClr val="tx1"/>
+              </a:solidFill>
+            </a:endParaRPr>
+          </a:p>
+        </p:txBody>
+      </p:sp>
+      <p:sp>
+        <p:nvSpPr>
+          <p:cNvPr id="7" name="화살표: 원형 6">
+            <a:extLst>
+              <a:ext uri="{FF2B5EF4-FFF2-40B4-BE49-F238E27FC236}">
+                <a16:creationId xmlns:a16="http://schemas.microsoft.com/office/drawing/2014/main" id="{FA3C13AE-5B8A-74B0-98E2-A728B4564356}"/>
+              </a:ext>
+            </a:extLst>
+          </p:cNvPr>
+          <p:cNvSpPr/>
+          <p:nvPr/>
+        </p:nvSpPr>
+        <p:spPr>
+          <a:xfrm rot="14515503" flipH="1" flipV="1">
+            <a:off x="8140446" y="3909735"/>
+            <a:ext cx="1456690" cy="1456690"/>
+          </a:xfrm>
+          <a:prstGeom prst="circularArrow">
+            <a:avLst>
+              <a:gd name="adj1" fmla="val 12500"/>
+              <a:gd name="adj2" fmla="val 1142319"/>
+              <a:gd name="adj3" fmla="val 20457681"/>
+              <a:gd name="adj4" fmla="val 17913874"/>
+              <a:gd name="adj5" fmla="val 12500"/>
+            </a:avLst>
+          </a:prstGeom>
+        </p:spPr>
+        <p:style>
+          <a:lnRef idx="2">
+            <a:schemeClr val="accent1">
+              <a:shade val="50000"/>
+            </a:schemeClr>
+          </a:lnRef>
+          <a:fillRef idx="1">
+            <a:schemeClr val="accent1"/>
+          </a:fillRef>
+          <a:effectRef idx="0">
+            <a:schemeClr val="accent1"/>
+          </a:effectRef>
+          <a:fontRef idx="minor">
+            <a:schemeClr val="lt1"/>
+          </a:fontRef>
+        </p:style>
+        <p:txBody>
+          <a:bodyPr rtlCol="0" anchor="ctr"/>
+          <a:lstStyle/>
+          <a:p>
+            <a:pPr algn="ctr"/>
+            <a:endParaRPr lang="ko-KR" altLang="en-US">
+              <a:solidFill>
+                <a:schemeClr val="tx1"/>
+              </a:solidFill>
+            </a:endParaRPr>
+          </a:p>
+        </p:txBody>
+      </p:sp>
     </p:spTree>
     <p:extLst>
       <p:ext uri="{BB962C8B-B14F-4D97-AF65-F5344CB8AC3E}">
@@ -21217,12 +21773,12 @@
         <p:spPr>
           <a:xfrm>
             <a:off x="205059" y="235390"/>
-            <a:ext cx="6834933" cy="592260"/>
+            <a:ext cx="7545147" cy="592260"/>
           </a:xfrm>
         </p:spPr>
         <p:txBody>
           <a:bodyPr rtlCol="0">
-            <a:normAutofit/>
+            <a:normAutofit fontScale="90000"/>
           </a:bodyPr>
           <a:lstStyle/>
           <a:p>
@@ -21241,11 +21797,11 @@
             </a:r>
             <a:r>
               <a:rPr lang="ko-KR" altLang="en-US" dirty="0"/>
-              <a:t>접근</a:t>
+              <a:t>매개변수 탐색</a:t>
             </a:r>
             <a:r>
               <a:rPr lang="en-US" altLang="ko-KR" dirty="0"/>
-              <a:t>3(</a:t>
+              <a:t>(</a:t>
             </a:r>
             <a:r>
               <a:rPr lang="ko-KR" altLang="en-US" dirty="0"/>
@@ -21309,7 +21865,7 @@
         </p:nvSpPr>
         <p:spPr>
           <a:xfrm>
-            <a:off x="2153893" y="966674"/>
+            <a:off x="2203913" y="1605529"/>
             <a:ext cx="806638" cy="369332"/>
           </a:xfrm>
           <a:prstGeom prst="rect">
@@ -21345,7 +21901,7 @@
         </p:nvSpPr>
         <p:spPr>
           <a:xfrm>
-            <a:off x="3027898" y="936787"/>
+            <a:off x="3077918" y="1575642"/>
             <a:ext cx="806638" cy="369332"/>
           </a:xfrm>
           <a:prstGeom prst="rect">
@@ -21382,13 +21938,13 @@
           <p:nvPr>
             <p:extLst>
               <p:ext uri="{D42A27DB-BD31-4B8C-83A1-F6EECF244321}">
-                <p14:modId xmlns:p14="http://schemas.microsoft.com/office/powerpoint/2010/main" val="696992700"/>
+                <p14:modId xmlns:p14="http://schemas.microsoft.com/office/powerpoint/2010/main" val="263972907"/>
               </p:ext>
             </p:extLst>
           </p:nvPr>
         </p:nvGraphicFramePr>
         <p:xfrm>
-          <a:off x="155039" y="1276232"/>
+          <a:off x="205059" y="1915087"/>
           <a:ext cx="9081970" cy="987299"/>
         </p:xfrm>
         <a:graphic>
@@ -21754,7 +22310,7 @@
         </p:nvSpPr>
         <p:spPr>
           <a:xfrm>
-            <a:off x="205059" y="3716164"/>
+            <a:off x="255079" y="4355019"/>
             <a:ext cx="2742462" cy="1017948"/>
           </a:xfrm>
           <a:prstGeom prst="rect">
@@ -21787,6 +22343,8 @@
                 <a:solidFill>
                   <a:schemeClr val="tx1"/>
                 </a:solidFill>
+                <a:latin typeface="맑은 고딕" panose="020B0503020000020004" pitchFamily="50" charset="-127"/>
+                <a:ea typeface="맑은 고딕" panose="020B0503020000020004" pitchFamily="50" charset="-127"/>
               </a:rPr>
               <a:t>1</a:t>
             </a:r>
@@ -21795,6 +22353,8 @@
                 <a:solidFill>
                   <a:schemeClr val="tx1"/>
                 </a:solidFill>
+                <a:latin typeface="맑은 고딕" panose="020B0503020000020004" pitchFamily="50" charset="-127"/>
+                <a:ea typeface="맑은 고딕" panose="020B0503020000020004" pitchFamily="50" charset="-127"/>
               </a:rPr>
               <a:t>부터 </a:t>
             </a:r>
@@ -21803,6 +22363,8 @@
                 <a:solidFill>
                   <a:schemeClr val="tx1"/>
                 </a:solidFill>
+                <a:latin typeface="맑은 고딕" panose="020B0503020000020004" pitchFamily="50" charset="-127"/>
+                <a:ea typeface="맑은 고딕" panose="020B0503020000020004" pitchFamily="50" charset="-127"/>
               </a:rPr>
               <a:t>4</a:t>
             </a:r>
@@ -21811,6 +22373,8 @@
                 <a:solidFill>
                   <a:schemeClr val="tx1"/>
                 </a:solidFill>
+                <a:latin typeface="맑은 고딕" panose="020B0503020000020004" pitchFamily="50" charset="-127"/>
+                <a:ea typeface="맑은 고딕" panose="020B0503020000020004" pitchFamily="50" charset="-127"/>
               </a:rPr>
               <a:t>까지 출현 횟수</a:t>
             </a:r>
@@ -21831,7 +22395,7 @@
         </p:nvSpPr>
         <p:spPr>
           <a:xfrm>
-            <a:off x="2876366" y="2263531"/>
+            <a:off x="2926386" y="2902386"/>
             <a:ext cx="1036794" cy="369332"/>
           </a:xfrm>
           <a:prstGeom prst="rect">
@@ -21871,7 +22435,7 @@
         </p:nvSpPr>
         <p:spPr>
           <a:xfrm>
-            <a:off x="3755648" y="3716164"/>
+            <a:off x="3805668" y="4355019"/>
             <a:ext cx="2742462" cy="1017948"/>
           </a:xfrm>
           <a:prstGeom prst="rect">
@@ -21904,6 +22468,8 @@
                 <a:solidFill>
                   <a:schemeClr val="tx1"/>
                 </a:solidFill>
+                <a:latin typeface="맑은 고딕" panose="020B0503020000020004" pitchFamily="50" charset="-127"/>
+                <a:ea typeface="맑은 고딕" panose="020B0503020000020004" pitchFamily="50" charset="-127"/>
               </a:rPr>
               <a:t>1</a:t>
             </a:r>
@@ -21912,6 +22478,8 @@
                 <a:solidFill>
                   <a:schemeClr val="tx1"/>
                 </a:solidFill>
+                <a:latin typeface="맑은 고딕" panose="020B0503020000020004" pitchFamily="50" charset="-127"/>
+                <a:ea typeface="맑은 고딕" panose="020B0503020000020004" pitchFamily="50" charset="-127"/>
               </a:rPr>
               <a:t>부터 </a:t>
             </a:r>
@@ -21920,6 +22488,8 @@
                 <a:solidFill>
                   <a:schemeClr val="tx1"/>
                 </a:solidFill>
+                <a:latin typeface="맑은 고딕" panose="020B0503020000020004" pitchFamily="50" charset="-127"/>
+                <a:ea typeface="맑은 고딕" panose="020B0503020000020004" pitchFamily="50" charset="-127"/>
               </a:rPr>
               <a:t>3</a:t>
             </a:r>
@@ -21928,6 +22498,8 @@
                 <a:solidFill>
                   <a:schemeClr val="tx1"/>
                 </a:solidFill>
+                <a:latin typeface="맑은 고딕" panose="020B0503020000020004" pitchFamily="50" charset="-127"/>
+                <a:ea typeface="맑은 고딕" panose="020B0503020000020004" pitchFamily="50" charset="-127"/>
               </a:rPr>
               <a:t>까지 출현 횟수</a:t>
             </a:r>
@@ -21948,7 +22520,7 @@
         </p:nvSpPr>
         <p:spPr>
           <a:xfrm>
-            <a:off x="3081122" y="4163310"/>
+            <a:off x="3131142" y="4802165"/>
             <a:ext cx="540925" cy="123655"/>
           </a:xfrm>
           <a:prstGeom prst="rect">
@@ -21997,7 +22569,7 @@
         </p:nvSpPr>
         <p:spPr>
           <a:xfrm>
-            <a:off x="6631711" y="4039655"/>
+            <a:off x="6681731" y="4678510"/>
             <a:ext cx="540925" cy="123655"/>
           </a:xfrm>
           <a:prstGeom prst="rect">
@@ -22046,7 +22618,7 @@
         </p:nvSpPr>
         <p:spPr>
           <a:xfrm>
-            <a:off x="6631711" y="4286965"/>
+            <a:off x="6681731" y="4925820"/>
             <a:ext cx="540925" cy="123655"/>
           </a:xfrm>
           <a:prstGeom prst="rect">
@@ -22095,7 +22667,7 @@
         </p:nvSpPr>
         <p:spPr>
           <a:xfrm>
-            <a:off x="7306237" y="3716163"/>
+            <a:off x="7356257" y="4355018"/>
             <a:ext cx="2742462" cy="1017948"/>
           </a:xfrm>
           <a:prstGeom prst="rect">
@@ -22128,6 +22700,8 @@
                 <a:solidFill>
                   <a:schemeClr val="tx1"/>
                 </a:solidFill>
+                <a:latin typeface="맑은 고딕" panose="020B0503020000020004" pitchFamily="50" charset="-127"/>
+                <a:ea typeface="맑은 고딕" panose="020B0503020000020004" pitchFamily="50" charset="-127"/>
               </a:rPr>
               <a:t>4</a:t>
             </a:r>
@@ -22136,6 +22710,8 @@
                 <a:solidFill>
                   <a:schemeClr val="tx1"/>
                 </a:solidFill>
+                <a:latin typeface="맑은 고딕" panose="020B0503020000020004" pitchFamily="50" charset="-127"/>
+                <a:ea typeface="맑은 고딕" panose="020B0503020000020004" pitchFamily="50" charset="-127"/>
               </a:rPr>
               <a:t>의 출현 횟수</a:t>
             </a:r>
@@ -22146,6 +22722,435 @@
     <p:extLst>
       <p:ext uri="{BB962C8B-B14F-4D97-AF65-F5344CB8AC3E}">
         <p14:creationId xmlns:p14="http://schemas.microsoft.com/office/powerpoint/2010/main" val="862013679"/>
+      </p:ext>
+    </p:extLst>
+  </p:cSld>
+  <p:clrMapOvr>
+    <a:masterClrMapping/>
+  </p:clrMapOvr>
+</p:sld>
+</file>
+
+<file path=ppt/slides/slide13.xml><?xml version="1.0" encoding="utf-8"?>
+<p:sld xmlns:a="http://schemas.openxmlformats.org/drawingml/2006/main" xmlns:r="http://schemas.openxmlformats.org/officeDocument/2006/relationships" xmlns:p="http://schemas.openxmlformats.org/presentationml/2006/main">
+  <p:cSld>
+    <p:spTree>
+      <p:nvGrpSpPr>
+        <p:cNvPr id="1" name=""/>
+        <p:cNvGrpSpPr/>
+        <p:nvPr/>
+      </p:nvGrpSpPr>
+      <p:grpSpPr>
+        <a:xfrm>
+          <a:off x="0" y="0"/>
+          <a:ext cx="0" cy="0"/>
+          <a:chOff x="0" y="0"/>
+          <a:chExt cx="0" cy="0"/>
+        </a:xfrm>
+      </p:grpSpPr>
+      <p:sp>
+        <p:nvSpPr>
+          <p:cNvPr id="2" name="제목 1">
+            <a:extLst>
+              <a:ext uri="{FF2B5EF4-FFF2-40B4-BE49-F238E27FC236}">
+                <a16:creationId xmlns:a16="http://schemas.microsoft.com/office/drawing/2014/main" id="{75031FE9-9059-4FE8-B4AC-9771F23A1B89}"/>
+              </a:ext>
+            </a:extLst>
+          </p:cNvPr>
+          <p:cNvSpPr>
+            <a:spLocks noGrp="1"/>
+          </p:cNvSpPr>
+          <p:nvPr>
+            <p:ph type="title"/>
+          </p:nvPr>
+        </p:nvSpPr>
+        <p:spPr>
+          <a:xfrm>
+            <a:off x="205059" y="235390"/>
+            <a:ext cx="7376471" cy="592260"/>
+          </a:xfrm>
+        </p:spPr>
+        <p:txBody>
+          <a:bodyPr rtlCol="0">
+            <a:normAutofit fontScale="90000"/>
+          </a:bodyPr>
+          <a:lstStyle/>
+          <a:p>
+            <a:pPr rtl="0"/>
+            <a:r>
+              <a:rPr lang="en-US" altLang="ko-KR" dirty="0"/>
+              <a:t>1637 </a:t>
+            </a:r>
+            <a:r>
+              <a:rPr lang="ko-KR" altLang="en-US" dirty="0"/>
+              <a:t>날카로운 눈 </a:t>
+            </a:r>
+            <a:r>
+              <a:rPr lang="en-US" altLang="ko-KR" dirty="0"/>
+              <a:t>– </a:t>
+            </a:r>
+            <a:r>
+              <a:rPr lang="ko-KR" altLang="en-US" dirty="0"/>
+              <a:t>매개변수 탐색</a:t>
+            </a:r>
+            <a:r>
+              <a:rPr lang="en-US" altLang="ko-KR" dirty="0"/>
+              <a:t>(</a:t>
+            </a:r>
+            <a:r>
+              <a:rPr lang="ko-KR" altLang="en-US" dirty="0" err="1"/>
+              <a:t>시간복잡도</a:t>
+            </a:r>
+            <a:r>
+              <a:rPr lang="en-US" altLang="ko-KR" dirty="0"/>
+              <a:t>)</a:t>
+            </a:r>
+            <a:endParaRPr lang="ko-KR" altLang="en-US" dirty="0"/>
+          </a:p>
+        </p:txBody>
+      </p:sp>
+      <p:sp>
+        <p:nvSpPr>
+          <p:cNvPr id="22" name="슬라이드 번호 개체 틀 21">
+            <a:extLst>
+              <a:ext uri="{FF2B5EF4-FFF2-40B4-BE49-F238E27FC236}">
+                <a16:creationId xmlns:a16="http://schemas.microsoft.com/office/drawing/2014/main" id="{5D1BD041-3428-4D62-934F-F3FF6D36F90F}"/>
+              </a:ext>
+            </a:extLst>
+          </p:cNvPr>
+          <p:cNvSpPr>
+            <a:spLocks noGrp="1"/>
+          </p:cNvSpPr>
+          <p:nvPr>
+            <p:ph type="sldNum" sz="quarter" idx="22"/>
+          </p:nvPr>
+        </p:nvSpPr>
+        <p:spPr>
+          <a:xfrm>
+            <a:off x="5515285" y="6120960"/>
+            <a:ext cx="653143" cy="365125"/>
+          </a:xfrm>
+        </p:spPr>
+        <p:txBody>
+          <a:bodyPr rtlCol="0"/>
+          <a:lstStyle/>
+          <a:p>
+            <a:pPr rtl="0"/>
+            <a:fld id="{B5CEABB6-07DC-46E8-9B57-56EC44A396E5}" type="slidenum">
+              <a:rPr lang="en-US" altLang="ko-KR" smtClean="0"/>
+              <a:pPr rtl="0"/>
+              <a:t>13</a:t>
+            </a:fld>
+            <a:endParaRPr lang="ko-KR" altLang="en-US"/>
+          </a:p>
+        </p:txBody>
+      </p:sp>
+      <p:sp>
+        <p:nvSpPr>
+          <p:cNvPr id="10" name="직사각형 9">
+            <a:extLst>
+              <a:ext uri="{FF2B5EF4-FFF2-40B4-BE49-F238E27FC236}">
+                <a16:creationId xmlns:a16="http://schemas.microsoft.com/office/drawing/2014/main" id="{8B0C208A-AF35-F24D-7709-DC03CC812FD4}"/>
+              </a:ext>
+            </a:extLst>
+          </p:cNvPr>
+          <p:cNvSpPr/>
+          <p:nvPr/>
+        </p:nvSpPr>
+        <p:spPr>
+          <a:xfrm>
+            <a:off x="213690" y="1493568"/>
+            <a:ext cx="6489686" cy="4076666"/>
+          </a:xfrm>
+          <a:prstGeom prst="rect">
+            <a:avLst/>
+          </a:prstGeom>
+        </p:spPr>
+        <p:style>
+          <a:lnRef idx="2">
+            <a:schemeClr val="accent1">
+              <a:shade val="50000"/>
+            </a:schemeClr>
+          </a:lnRef>
+          <a:fillRef idx="1">
+            <a:schemeClr val="accent1"/>
+          </a:fillRef>
+          <a:effectRef idx="0">
+            <a:schemeClr val="accent1"/>
+          </a:effectRef>
+          <a:fontRef idx="minor">
+            <a:schemeClr val="lt1"/>
+          </a:fontRef>
+        </p:style>
+        <p:txBody>
+          <a:bodyPr rtlCol="0" anchor="ctr"/>
+          <a:lstStyle/>
+          <a:p>
+            <a:pPr algn="ctr"/>
+            <a:r>
+              <a:rPr lang="ko-KR" altLang="en-US" sz="2800" dirty="0">
+                <a:solidFill>
+                  <a:schemeClr val="tx1"/>
+                </a:solidFill>
+              </a:rPr>
+              <a:t>매개변수 탐색하면서 </a:t>
+            </a:r>
+            <a:r>
+              <a:rPr lang="en-US" altLang="ko-KR" sz="2800" dirty="0" err="1">
+                <a:solidFill>
+                  <a:schemeClr val="tx1"/>
+                </a:solidFill>
+              </a:rPr>
+              <a:t>ans</a:t>
+            </a:r>
+            <a:r>
+              <a:rPr lang="en-US" altLang="ko-KR" sz="2800" dirty="0">
+                <a:solidFill>
+                  <a:schemeClr val="tx1"/>
+                </a:solidFill>
+              </a:rPr>
+              <a:t> </a:t>
+            </a:r>
+            <a:r>
+              <a:rPr lang="ko-KR" altLang="en-US" sz="2800" dirty="0">
+                <a:solidFill>
+                  <a:schemeClr val="tx1"/>
+                </a:solidFill>
+              </a:rPr>
+              <a:t>갱신</a:t>
+            </a:r>
+            <a:endParaRPr lang="en-US" altLang="ko-KR" sz="2800" dirty="0">
+              <a:solidFill>
+                <a:schemeClr val="tx1"/>
+              </a:solidFill>
+            </a:endParaRPr>
+          </a:p>
+          <a:p>
+            <a:pPr algn="ctr"/>
+            <a:r>
+              <a:rPr lang="en-US" altLang="ko-KR" sz="2800" dirty="0">
+                <a:solidFill>
+                  <a:schemeClr val="tx1"/>
+                </a:solidFill>
+              </a:rPr>
+              <a:t>check </a:t>
+            </a:r>
+            <a:r>
+              <a:rPr lang="ko-KR" altLang="en-US" sz="2800" dirty="0">
+                <a:solidFill>
+                  <a:schemeClr val="tx1"/>
+                </a:solidFill>
+              </a:rPr>
+              <a:t>과정 </a:t>
+            </a:r>
+            <a:r>
+              <a:rPr lang="en-US" altLang="ko-KR" sz="2800" dirty="0">
+                <a:solidFill>
+                  <a:schemeClr val="tx1"/>
+                </a:solidFill>
+              </a:rPr>
+              <a:t>O(N)</a:t>
+            </a:r>
+            <a:r>
+              <a:rPr lang="ko-KR" altLang="en-US" sz="2800" dirty="0">
+                <a:solidFill>
+                  <a:schemeClr val="tx1"/>
+                </a:solidFill>
+              </a:rPr>
+              <a:t>에 해결</a:t>
+            </a:r>
+            <a:endParaRPr lang="en-US" altLang="ko-KR" sz="2800" dirty="0">
+              <a:solidFill>
+                <a:schemeClr val="tx1"/>
+              </a:solidFill>
+            </a:endParaRPr>
+          </a:p>
+          <a:p>
+            <a:pPr algn="ctr"/>
+            <a:endParaRPr lang="en-US" altLang="ko-KR" sz="2800" dirty="0">
+              <a:solidFill>
+                <a:schemeClr val="tx1"/>
+              </a:solidFill>
+            </a:endParaRPr>
+          </a:p>
+          <a:p>
+            <a:pPr algn="ctr"/>
+            <a:r>
+              <a:rPr lang="en-US" altLang="ko-KR" sz="2800" dirty="0">
+                <a:solidFill>
+                  <a:schemeClr val="tx1"/>
+                </a:solidFill>
+              </a:rPr>
+              <a:t>1</a:t>
+            </a:r>
+            <a:r>
+              <a:rPr lang="ko-KR" altLang="en-US" sz="2800" dirty="0">
+                <a:solidFill>
+                  <a:schemeClr val="tx1"/>
+                </a:solidFill>
+              </a:rPr>
+              <a:t>부터 </a:t>
+            </a:r>
+            <a:r>
+              <a:rPr lang="en-US" altLang="ko-KR" sz="2800" dirty="0">
+                <a:solidFill>
+                  <a:schemeClr val="tx1"/>
+                </a:solidFill>
+              </a:rPr>
+              <a:t>2^31-1</a:t>
+            </a:r>
+            <a:r>
+              <a:rPr lang="ko-KR" altLang="en-US" sz="2800" dirty="0">
+                <a:solidFill>
+                  <a:schemeClr val="tx1"/>
+                </a:solidFill>
+              </a:rPr>
+              <a:t>까지를 탐색하므로</a:t>
+            </a:r>
+            <a:endParaRPr lang="en-US" altLang="ko-KR" sz="2800" dirty="0">
+              <a:solidFill>
+                <a:schemeClr val="tx1"/>
+              </a:solidFill>
+            </a:endParaRPr>
+          </a:p>
+          <a:p>
+            <a:pPr algn="ctr"/>
+            <a:r>
+              <a:rPr lang="en-US" altLang="ko-KR" sz="2800" dirty="0">
+                <a:solidFill>
+                  <a:schemeClr val="tx1"/>
+                </a:solidFill>
+              </a:rPr>
+              <a:t>O(</a:t>
+            </a:r>
+            <a:r>
+              <a:rPr lang="en-US" altLang="ko-KR" sz="2800" dirty="0" err="1">
+                <a:solidFill>
+                  <a:schemeClr val="tx1"/>
+                </a:solidFill>
+              </a:rPr>
+              <a:t>Nlog</a:t>
+            </a:r>
+            <a:r>
+              <a:rPr lang="en-US" altLang="ko-KR" sz="2800" dirty="0">
+                <a:solidFill>
+                  <a:schemeClr val="tx1"/>
+                </a:solidFill>
+              </a:rPr>
+              <a:t>(2^31-1))</a:t>
+            </a:r>
+          </a:p>
+        </p:txBody>
+      </p:sp>
+    </p:spTree>
+    <p:extLst>
+      <p:ext uri="{BB962C8B-B14F-4D97-AF65-F5344CB8AC3E}">
+        <p14:creationId xmlns:p14="http://schemas.microsoft.com/office/powerpoint/2010/main" val="1636388060"/>
+      </p:ext>
+    </p:extLst>
+  </p:cSld>
+  <p:clrMapOvr>
+    <a:masterClrMapping/>
+  </p:clrMapOvr>
+</p:sld>
+</file>
+
+<file path=ppt/slides/slide14.xml><?xml version="1.0" encoding="utf-8"?>
+<p:sld xmlns:a="http://schemas.openxmlformats.org/drawingml/2006/main" xmlns:r="http://schemas.openxmlformats.org/officeDocument/2006/relationships" xmlns:p="http://schemas.openxmlformats.org/presentationml/2006/main">
+  <p:cSld>
+    <p:spTree>
+      <p:nvGrpSpPr>
+        <p:cNvPr id="1" name=""/>
+        <p:cNvGrpSpPr/>
+        <p:nvPr/>
+      </p:nvGrpSpPr>
+      <p:grpSpPr>
+        <a:xfrm>
+          <a:off x="0" y="0"/>
+          <a:ext cx="0" cy="0"/>
+          <a:chOff x="0" y="0"/>
+          <a:chExt cx="0" cy="0"/>
+        </a:xfrm>
+      </p:grpSpPr>
+      <p:sp>
+        <p:nvSpPr>
+          <p:cNvPr id="2" name="제목 1">
+            <a:extLst>
+              <a:ext uri="{FF2B5EF4-FFF2-40B4-BE49-F238E27FC236}">
+                <a16:creationId xmlns:a16="http://schemas.microsoft.com/office/drawing/2014/main" id="{BCCAEE93-8585-46D4-A7EC-F184E317CB2E}"/>
+              </a:ext>
+            </a:extLst>
+          </p:cNvPr>
+          <p:cNvSpPr>
+            <a:spLocks noGrp="1"/>
+          </p:cNvSpPr>
+          <p:nvPr>
+            <p:ph type="ctrTitle"/>
+          </p:nvPr>
+        </p:nvSpPr>
+        <p:spPr>
+          <a:xfrm>
+            <a:off x="4006215" y="2556769"/>
+            <a:ext cx="4179570" cy="1524735"/>
+          </a:xfrm>
+        </p:spPr>
+        <p:txBody>
+          <a:bodyPr rtlCol="0"/>
+          <a:lstStyle/>
+          <a:p>
+            <a:pPr rtl="0"/>
+            <a:r>
+              <a:rPr lang="ko-KR" altLang="en-US" sz="5400" dirty="0"/>
+              <a:t>감사합니다</a:t>
+            </a:r>
+            <a:r>
+              <a:rPr lang="en-US" altLang="ko-KR" sz="5400" dirty="0"/>
+              <a:t>.</a:t>
+            </a:r>
+            <a:endParaRPr lang="ko-KR" altLang="en-US" sz="5400" dirty="0"/>
+          </a:p>
+        </p:txBody>
+      </p:sp>
+      <p:sp>
+        <p:nvSpPr>
+          <p:cNvPr id="6" name="슬라이드 번호 개체 틀 5">
+            <a:extLst>
+              <a:ext uri="{FF2B5EF4-FFF2-40B4-BE49-F238E27FC236}">
+                <a16:creationId xmlns:a16="http://schemas.microsoft.com/office/drawing/2014/main" id="{5EDCFF82-B70F-4971-9182-7C3AEA3CFD26}"/>
+              </a:ext>
+            </a:extLst>
+          </p:cNvPr>
+          <p:cNvSpPr>
+            <a:spLocks noGrp="1"/>
+          </p:cNvSpPr>
+          <p:nvPr>
+            <p:ph type="sldNum" sz="quarter" idx="12"/>
+          </p:nvPr>
+        </p:nvSpPr>
+        <p:spPr>
+          <a:xfrm>
+            <a:off x="9579428" y="6356350"/>
+            <a:ext cx="1774371" cy="365125"/>
+          </a:xfrm>
+        </p:spPr>
+        <p:txBody>
+          <a:bodyPr rtlCol="0"/>
+          <a:lstStyle/>
+          <a:p>
+            <a:pPr rtl="0"/>
+            <a:fld id="{B5CEABB6-07DC-46E8-9B57-56EC44A396E5}" type="slidenum">
+              <a:rPr lang="en-US" altLang="ko-KR" smtClean="0"/>
+              <a:pPr rtl="0"/>
+              <a:t>14</a:t>
+            </a:fld>
+            <a:endParaRPr lang="ko-KR" altLang="en-US"/>
+          </a:p>
+        </p:txBody>
+      </p:sp>
+    </p:spTree>
+    <p:extLst>
+      <p:ext uri="{BB962C8B-B14F-4D97-AF65-F5344CB8AC3E}">
+        <p14:creationId xmlns:p14="http://schemas.microsoft.com/office/powerpoint/2010/main" val="1417825657"/>
       </p:ext>
     </p:extLst>
   </p:cSld>
@@ -22326,6 +23331,8 @@
                 <a:solidFill>
                   <a:schemeClr val="tx1"/>
                 </a:solidFill>
+                <a:latin typeface="맑은 고딕" panose="020B0503020000020004" pitchFamily="50" charset="-127"/>
+                <a:ea typeface="맑은 고딕" panose="020B0503020000020004" pitchFamily="50" charset="-127"/>
               </a:rPr>
               <a:t>0^2</a:t>
             </a:r>
@@ -22334,6 +23341,8 @@
                 <a:solidFill>
                   <a:schemeClr val="tx1"/>
                 </a:solidFill>
+                <a:latin typeface="맑은 고딕" panose="020B0503020000020004" pitchFamily="50" charset="-127"/>
+                <a:ea typeface="맑은 고딕" panose="020B0503020000020004" pitchFamily="50" charset="-127"/>
               </a:rPr>
               <a:t> </a:t>
             </a:r>
@@ -22342,6 +23351,8 @@
                 <a:solidFill>
                   <a:schemeClr val="tx1"/>
                 </a:solidFill>
+                <a:latin typeface="맑은 고딕" panose="020B0503020000020004" pitchFamily="50" charset="-127"/>
+                <a:ea typeface="맑은 고딕" panose="020B0503020000020004" pitchFamily="50" charset="-127"/>
               </a:rPr>
               <a:t>&gt;=</a:t>
             </a:r>
@@ -22350,6 +23361,8 @@
                 <a:solidFill>
                   <a:schemeClr val="tx1"/>
                 </a:solidFill>
+                <a:latin typeface="맑은 고딕" panose="020B0503020000020004" pitchFamily="50" charset="-127"/>
+                <a:ea typeface="맑은 고딕" panose="020B0503020000020004" pitchFamily="50" charset="-127"/>
               </a:rPr>
               <a:t> </a:t>
             </a:r>
@@ -22358,6 +23371,8 @@
                 <a:solidFill>
                   <a:schemeClr val="tx1"/>
                 </a:solidFill>
+                <a:latin typeface="맑은 고딕" panose="020B0503020000020004" pitchFamily="50" charset="-127"/>
+                <a:ea typeface="맑은 고딕" panose="020B0503020000020004" pitchFamily="50" charset="-127"/>
               </a:rPr>
               <a:t>n</a:t>
             </a:r>
@@ -22366,6 +23381,8 @@
                 <a:solidFill>
                   <a:schemeClr val="tx1"/>
                 </a:solidFill>
+                <a:latin typeface="맑은 고딕" panose="020B0503020000020004" pitchFamily="50" charset="-127"/>
+                <a:ea typeface="맑은 고딕" panose="020B0503020000020004" pitchFamily="50" charset="-127"/>
               </a:rPr>
               <a:t> 확인  </a:t>
             </a:r>
@@ -22374,6 +23391,8 @@
                 <a:solidFill>
                   <a:schemeClr val="tx1"/>
                 </a:solidFill>
+                <a:latin typeface="맑은 고딕" panose="020B0503020000020004" pitchFamily="50" charset="-127"/>
+                <a:ea typeface="맑은 고딕" panose="020B0503020000020004" pitchFamily="50" charset="-127"/>
               </a:rPr>
               <a:t>=&gt;  F</a:t>
             </a:r>
@@ -22385,6 +23404,8 @@
                 <a:solidFill>
                   <a:schemeClr val="tx1"/>
                 </a:solidFill>
+                <a:latin typeface="맑은 고딕" panose="020B0503020000020004" pitchFamily="50" charset="-127"/>
+                <a:ea typeface="맑은 고딕" panose="020B0503020000020004" pitchFamily="50" charset="-127"/>
               </a:rPr>
               <a:t>1^2 &gt;= n </a:t>
             </a:r>
@@ -22393,6 +23414,8 @@
                 <a:solidFill>
                   <a:schemeClr val="tx1"/>
                 </a:solidFill>
+                <a:latin typeface="맑은 고딕" panose="020B0503020000020004" pitchFamily="50" charset="-127"/>
+                <a:ea typeface="맑은 고딕" panose="020B0503020000020004" pitchFamily="50" charset="-127"/>
               </a:rPr>
               <a:t>확인  </a:t>
             </a:r>
@@ -22401,6 +23424,8 @@
                 <a:solidFill>
                   <a:schemeClr val="tx1"/>
                 </a:solidFill>
+                <a:latin typeface="맑은 고딕" panose="020B0503020000020004" pitchFamily="50" charset="-127"/>
+                <a:ea typeface="맑은 고딕" panose="020B0503020000020004" pitchFamily="50" charset="-127"/>
               </a:rPr>
               <a:t>=&gt;  F </a:t>
             </a:r>
@@ -22412,6 +23437,8 @@
                 <a:solidFill>
                   <a:schemeClr val="tx1"/>
                 </a:solidFill>
+                <a:latin typeface="맑은 고딕" panose="020B0503020000020004" pitchFamily="50" charset="-127"/>
+                <a:ea typeface="맑은 고딕" panose="020B0503020000020004" pitchFamily="50" charset="-127"/>
               </a:rPr>
               <a:t>…</a:t>
             </a:r>
@@ -22423,6 +23450,8 @@
                 <a:solidFill>
                   <a:schemeClr val="tx1"/>
                 </a:solidFill>
+                <a:latin typeface="맑은 고딕" panose="020B0503020000020004" pitchFamily="50" charset="-127"/>
+                <a:ea typeface="맑은 고딕" panose="020B0503020000020004" pitchFamily="50" charset="-127"/>
               </a:rPr>
               <a:t>q^2 &gt;= n </a:t>
             </a:r>
@@ -22431,6 +23460,8 @@
                 <a:solidFill>
                   <a:schemeClr val="tx1"/>
                 </a:solidFill>
+                <a:latin typeface="맑은 고딕" panose="020B0503020000020004" pitchFamily="50" charset="-127"/>
+                <a:ea typeface="맑은 고딕" panose="020B0503020000020004" pitchFamily="50" charset="-127"/>
               </a:rPr>
               <a:t>확인  </a:t>
             </a:r>
@@ -22439,6 +23470,8 @@
                 <a:solidFill>
                   <a:schemeClr val="tx1"/>
                 </a:solidFill>
+                <a:latin typeface="맑은 고딕" panose="020B0503020000020004" pitchFamily="50" charset="-127"/>
+                <a:ea typeface="맑은 고딕" panose="020B0503020000020004" pitchFamily="50" charset="-127"/>
               </a:rPr>
               <a:t>=&gt;  </a:t>
             </a:r>
@@ -22447,6 +23480,8 @@
                 <a:solidFill>
                   <a:schemeClr val="tx1"/>
                 </a:solidFill>
+                <a:latin typeface="맑은 고딕" panose="020B0503020000020004" pitchFamily="50" charset="-127"/>
+                <a:ea typeface="맑은 고딕" panose="020B0503020000020004" pitchFamily="50" charset="-127"/>
               </a:rPr>
               <a:t>최초 </a:t>
             </a:r>
@@ -22455,6 +23490,8 @@
                 <a:solidFill>
                   <a:schemeClr val="tx1"/>
                 </a:solidFill>
+                <a:latin typeface="맑은 고딕" panose="020B0503020000020004" pitchFamily="50" charset="-127"/>
+                <a:ea typeface="맑은 고딕" panose="020B0503020000020004" pitchFamily="50" charset="-127"/>
               </a:rPr>
               <a:t>T</a:t>
             </a:r>
@@ -22465,6 +23502,8 @@
               <a:solidFill>
                 <a:schemeClr val="tx1"/>
               </a:solidFill>
+              <a:latin typeface="맑은 고딕" panose="020B0503020000020004" pitchFamily="50" charset="-127"/>
+              <a:ea typeface="맑은 고딕" panose="020B0503020000020004" pitchFamily="50" charset="-127"/>
             </a:endParaRPr>
           </a:p>
           <a:p>
@@ -22474,6 +23513,8 @@
                 <a:solidFill>
                   <a:schemeClr val="tx1"/>
                 </a:solidFill>
+                <a:latin typeface="맑은 고딕" panose="020B0503020000020004" pitchFamily="50" charset="-127"/>
+                <a:ea typeface="맑은 고딕" panose="020B0503020000020004" pitchFamily="50" charset="-127"/>
               </a:rPr>
               <a:t>최악의 경우</a:t>
             </a:r>
@@ -22481,6 +23522,8 @@
               <a:solidFill>
                 <a:schemeClr val="tx1"/>
               </a:solidFill>
+              <a:latin typeface="맑은 고딕" panose="020B0503020000020004" pitchFamily="50" charset="-127"/>
+              <a:ea typeface="맑은 고딕" panose="020B0503020000020004" pitchFamily="50" charset="-127"/>
             </a:endParaRPr>
           </a:p>
           <a:p>
@@ -22490,6 +23533,8 @@
                 <a:solidFill>
                   <a:schemeClr val="tx1"/>
                 </a:solidFill>
+                <a:latin typeface="맑은 고딕" panose="020B0503020000020004" pitchFamily="50" charset="-127"/>
+                <a:ea typeface="맑은 고딕" panose="020B0503020000020004" pitchFamily="50" charset="-127"/>
               </a:rPr>
               <a:t>약 </a:t>
             </a:r>
@@ -22498,6 +23543,8 @@
                 <a:solidFill>
                   <a:schemeClr val="tx1"/>
                 </a:solidFill>
+                <a:latin typeface="맑은 고딕" panose="020B0503020000020004" pitchFamily="50" charset="-127"/>
+                <a:ea typeface="맑은 고딕" panose="020B0503020000020004" pitchFamily="50" charset="-127"/>
               </a:rPr>
               <a:t>2^31</a:t>
             </a:r>
@@ -22506,6 +23553,8 @@
                 <a:solidFill>
                   <a:schemeClr val="tx1"/>
                 </a:solidFill>
+                <a:latin typeface="맑은 고딕" panose="020B0503020000020004" pitchFamily="50" charset="-127"/>
+                <a:ea typeface="맑은 고딕" panose="020B0503020000020004" pitchFamily="50" charset="-127"/>
               </a:rPr>
               <a:t>번 ≒ </a:t>
             </a:r>
@@ -22514,6 +23563,8 @@
                 <a:solidFill>
                   <a:schemeClr val="tx1"/>
                 </a:solidFill>
+                <a:latin typeface="맑은 고딕" panose="020B0503020000020004" pitchFamily="50" charset="-127"/>
+                <a:ea typeface="맑은 고딕" panose="020B0503020000020004" pitchFamily="50" charset="-127"/>
               </a:rPr>
               <a:t>20</a:t>
             </a:r>
@@ -22522,6 +23573,8 @@
                 <a:solidFill>
                   <a:schemeClr val="tx1"/>
                 </a:solidFill>
+                <a:latin typeface="맑은 고딕" panose="020B0503020000020004" pitchFamily="50" charset="-127"/>
+                <a:ea typeface="맑은 고딕" panose="020B0503020000020004" pitchFamily="50" charset="-127"/>
               </a:rPr>
               <a:t>억 번 연산 필요</a:t>
             </a:r>
@@ -22529,6 +23582,8 @@
               <a:solidFill>
                 <a:schemeClr val="tx1"/>
               </a:solidFill>
+              <a:latin typeface="맑은 고딕" panose="020B0503020000020004" pitchFamily="50" charset="-127"/>
+              <a:ea typeface="맑은 고딕" panose="020B0503020000020004" pitchFamily="50" charset="-127"/>
             </a:endParaRPr>
           </a:p>
         </p:txBody>
@@ -22677,7 +23732,7 @@
         </p:nvSpPr>
         <p:spPr>
           <a:xfrm>
-            <a:off x="257343" y="2279683"/>
+            <a:off x="257343" y="2315895"/>
             <a:ext cx="6489686" cy="4076666"/>
           </a:xfrm>
           <a:prstGeom prst="rect">
@@ -22710,6 +23765,8 @@
                 <a:solidFill>
                   <a:schemeClr val="tx1"/>
                 </a:solidFill>
+                <a:latin typeface="맑은 고딕" panose="020B0503020000020004" pitchFamily="50" charset="-127"/>
+                <a:ea typeface="맑은 고딕" panose="020B0503020000020004" pitchFamily="50" charset="-127"/>
               </a:rPr>
               <a:t>low </a:t>
             </a:r>
@@ -22718,6 +23775,8 @@
                 <a:solidFill>
                   <a:schemeClr val="tx1"/>
                 </a:solidFill>
+                <a:latin typeface="맑은 고딕" panose="020B0503020000020004" pitchFamily="50" charset="-127"/>
+                <a:ea typeface="맑은 고딕" panose="020B0503020000020004" pitchFamily="50" charset="-127"/>
               </a:rPr>
               <a:t>초기값 </a:t>
             </a:r>
@@ -22726,6 +23785,8 @@
                 <a:solidFill>
                   <a:schemeClr val="tx1"/>
                 </a:solidFill>
+                <a:latin typeface="맑은 고딕" panose="020B0503020000020004" pitchFamily="50" charset="-127"/>
+                <a:ea typeface="맑은 고딕" panose="020B0503020000020004" pitchFamily="50" charset="-127"/>
               </a:rPr>
               <a:t>: 0  (n</a:t>
             </a:r>
@@ -22734,6 +23795,8 @@
                 <a:solidFill>
                   <a:schemeClr val="tx1"/>
                 </a:solidFill>
+                <a:latin typeface="맑은 고딕" panose="020B0503020000020004" pitchFamily="50" charset="-127"/>
+                <a:ea typeface="맑은 고딕" panose="020B0503020000020004" pitchFamily="50" charset="-127"/>
               </a:rPr>
               <a:t>이 </a:t>
             </a:r>
@@ -22742,6 +23805,8 @@
                 <a:solidFill>
                   <a:schemeClr val="tx1"/>
                 </a:solidFill>
+                <a:latin typeface="맑은 고딕" panose="020B0503020000020004" pitchFamily="50" charset="-127"/>
+                <a:ea typeface="맑은 고딕" panose="020B0503020000020004" pitchFamily="50" charset="-127"/>
               </a:rPr>
               <a:t>0</a:t>
             </a:r>
@@ -22750,6 +23815,8 @@
                 <a:solidFill>
                   <a:schemeClr val="tx1"/>
                 </a:solidFill>
+                <a:latin typeface="맑은 고딕" panose="020B0503020000020004" pitchFamily="50" charset="-127"/>
+                <a:ea typeface="맑은 고딕" panose="020B0503020000020004" pitchFamily="50" charset="-127"/>
               </a:rPr>
               <a:t>부터</a:t>
             </a:r>
@@ -22758,6 +23825,8 @@
                 <a:solidFill>
                   <a:schemeClr val="tx1"/>
                 </a:solidFill>
+                <a:latin typeface="맑은 고딕" panose="020B0503020000020004" pitchFamily="50" charset="-127"/>
+                <a:ea typeface="맑은 고딕" panose="020B0503020000020004" pitchFamily="50" charset="-127"/>
               </a:rPr>
               <a:t>)</a:t>
             </a:r>
@@ -22769,6 +23838,8 @@
                 <a:solidFill>
                   <a:schemeClr val="tx1"/>
                 </a:solidFill>
+                <a:latin typeface="맑은 고딕" panose="020B0503020000020004" pitchFamily="50" charset="-127"/>
+                <a:ea typeface="맑은 고딕" panose="020B0503020000020004" pitchFamily="50" charset="-127"/>
               </a:rPr>
               <a:t>high</a:t>
             </a:r>
@@ -22777,6 +23848,8 @@
                 <a:solidFill>
                   <a:schemeClr val="tx1"/>
                 </a:solidFill>
+                <a:latin typeface="맑은 고딕" panose="020B0503020000020004" pitchFamily="50" charset="-127"/>
+                <a:ea typeface="맑은 고딕" panose="020B0503020000020004" pitchFamily="50" charset="-127"/>
               </a:rPr>
               <a:t> 초기값 </a:t>
             </a:r>
@@ -22785,46 +23858,18 @@
                 <a:solidFill>
                   <a:schemeClr val="tx1"/>
                 </a:solidFill>
+                <a:latin typeface="맑은 고딕" panose="020B0503020000020004" pitchFamily="50" charset="-127"/>
+                <a:ea typeface="맑은 고딕" panose="020B0503020000020004" pitchFamily="50" charset="-127"/>
               </a:rPr>
-              <a:t>: long </a:t>
-            </a:r>
-            <a:r>
-              <a:rPr lang="en-US" altLang="ko-KR" sz="2000" dirty="0" err="1">
+              <a:t>: 2^32 (n</a:t>
+            </a:r>
+            <a:r>
+              <a:rPr lang="ko-KR" altLang="en-US" sz="2000" dirty="0">
                 <a:solidFill>
                   <a:schemeClr val="tx1"/>
                 </a:solidFill>
-              </a:rPr>
-              <a:t>long</a:t>
-            </a:r>
-            <a:r>
-              <a:rPr lang="en-US" altLang="ko-KR" sz="2000" dirty="0">
-                <a:solidFill>
-                  <a:schemeClr val="tx1"/>
-                </a:solidFill>
-              </a:rPr>
-              <a:t> </a:t>
-            </a:r>
-            <a:r>
-              <a:rPr lang="ko-KR" altLang="en-US" sz="2000" dirty="0">
-                <a:solidFill>
-                  <a:schemeClr val="tx1"/>
-                </a:solidFill>
-              </a:rPr>
-              <a:t>타입 </a:t>
-            </a:r>
-            <a:r>
-              <a:rPr lang="en-US" altLang="ko-KR" sz="2000" dirty="0">
-                <a:solidFill>
-                  <a:schemeClr val="tx1"/>
-                </a:solidFill>
-              </a:rPr>
-              <a:t>MAX (n</a:t>
-            </a:r>
-            <a:r>
-              <a:rPr lang="ko-KR" altLang="en-US" sz="2000" dirty="0">
-                <a:solidFill>
-                  <a:schemeClr val="tx1"/>
-                </a:solidFill>
+                <a:latin typeface="맑은 고딕" panose="020B0503020000020004" pitchFamily="50" charset="-127"/>
+                <a:ea typeface="맑은 고딕" panose="020B0503020000020004" pitchFamily="50" charset="-127"/>
               </a:rPr>
               <a:t>이 </a:t>
             </a:r>
@@ -22833,14 +23878,18 @@
                 <a:solidFill>
                   <a:schemeClr val="tx1"/>
                 </a:solidFill>
+                <a:latin typeface="맑은 고딕" panose="020B0503020000020004" pitchFamily="50" charset="-127"/>
+                <a:ea typeface="맑은 고딕" panose="020B0503020000020004" pitchFamily="50" charset="-127"/>
               </a:rPr>
-              <a:t>2^63 -1 </a:t>
+              <a:t>2^63-1</a:t>
             </a:r>
             <a:r>
               <a:rPr lang="ko-KR" altLang="en-US" sz="2000" dirty="0">
                 <a:solidFill>
                   <a:schemeClr val="tx1"/>
                 </a:solidFill>
+                <a:latin typeface="맑은 고딕" panose="020B0503020000020004" pitchFamily="50" charset="-127"/>
+                <a:ea typeface="맑은 고딕" panose="020B0503020000020004" pitchFamily="50" charset="-127"/>
               </a:rPr>
               <a:t>까지</a:t>
             </a:r>
@@ -22849,6 +23898,8 @@
                 <a:solidFill>
                   <a:schemeClr val="tx1"/>
                 </a:solidFill>
+                <a:latin typeface="맑은 고딕" panose="020B0503020000020004" pitchFamily="50" charset="-127"/>
+                <a:ea typeface="맑은 고딕" panose="020B0503020000020004" pitchFamily="50" charset="-127"/>
               </a:rPr>
               <a:t>)</a:t>
             </a:r>
@@ -22859,6 +23910,8 @@
               <a:solidFill>
                 <a:schemeClr val="tx1"/>
               </a:solidFill>
+              <a:latin typeface="맑은 고딕" panose="020B0503020000020004" pitchFamily="50" charset="-127"/>
+              <a:ea typeface="맑은 고딕" panose="020B0503020000020004" pitchFamily="50" charset="-127"/>
             </a:endParaRPr>
           </a:p>
           <a:p>
@@ -22868,6 +23921,8 @@
                 <a:solidFill>
                   <a:schemeClr val="tx1"/>
                 </a:solidFill>
+                <a:latin typeface="맑은 고딕" panose="020B0503020000020004" pitchFamily="50" charset="-127"/>
+                <a:ea typeface="맑은 고딕" panose="020B0503020000020004" pitchFamily="50" charset="-127"/>
               </a:rPr>
               <a:t>이분탐색을 하면서 </a:t>
             </a:r>
@@ -22876,6 +23931,8 @@
                 <a:solidFill>
                   <a:schemeClr val="tx1"/>
                 </a:solidFill>
+                <a:latin typeface="맑은 고딕" panose="020B0503020000020004" pitchFamily="50" charset="-127"/>
+                <a:ea typeface="맑은 고딕" panose="020B0503020000020004" pitchFamily="50" charset="-127"/>
               </a:rPr>
               <a:t>mid^2 &gt;= n </a:t>
             </a:r>
@@ -22884,6 +23941,8 @@
                 <a:solidFill>
                   <a:schemeClr val="tx1"/>
                 </a:solidFill>
+                <a:latin typeface="맑은 고딕" panose="020B0503020000020004" pitchFamily="50" charset="-127"/>
+                <a:ea typeface="맑은 고딕" panose="020B0503020000020004" pitchFamily="50" charset="-127"/>
               </a:rPr>
               <a:t>인지 확인</a:t>
             </a:r>
@@ -22891,6 +23950,8 @@
               <a:solidFill>
                 <a:schemeClr val="tx1"/>
               </a:solidFill>
+              <a:latin typeface="맑은 고딕" panose="020B0503020000020004" pitchFamily="50" charset="-127"/>
+              <a:ea typeface="맑은 고딕" panose="020B0503020000020004" pitchFamily="50" charset="-127"/>
             </a:endParaRPr>
           </a:p>
           <a:p>
@@ -22899,6 +23960,8 @@
               <a:solidFill>
                 <a:schemeClr val="tx1"/>
               </a:solidFill>
+              <a:latin typeface="맑은 고딕" panose="020B0503020000020004" pitchFamily="50" charset="-127"/>
+              <a:ea typeface="맑은 고딕" panose="020B0503020000020004" pitchFamily="50" charset="-127"/>
             </a:endParaRPr>
           </a:p>
           <a:p>
@@ -22908,6 +23971,8 @@
                 <a:solidFill>
                   <a:schemeClr val="tx1"/>
                 </a:solidFill>
+                <a:latin typeface="맑은 고딕" panose="020B0503020000020004" pitchFamily="50" charset="-127"/>
+                <a:ea typeface="맑은 고딕" panose="020B0503020000020004" pitchFamily="50" charset="-127"/>
               </a:rPr>
               <a:t>True</a:t>
             </a:r>
@@ -22916,6 +23981,8 @@
                 <a:solidFill>
                   <a:schemeClr val="tx1"/>
                 </a:solidFill>
+                <a:latin typeface="맑은 고딕" panose="020B0503020000020004" pitchFamily="50" charset="-127"/>
+                <a:ea typeface="맑은 고딕" panose="020B0503020000020004" pitchFamily="50" charset="-127"/>
               </a:rPr>
               <a:t>라면 </a:t>
             </a:r>
@@ -22924,6 +23991,8 @@
                 <a:solidFill>
                   <a:schemeClr val="tx1"/>
                 </a:solidFill>
+                <a:latin typeface="맑은 고딕" panose="020B0503020000020004" pitchFamily="50" charset="-127"/>
+                <a:ea typeface="맑은 고딕" panose="020B0503020000020004" pitchFamily="50" charset="-127"/>
               </a:rPr>
               <a:t>=&gt; </a:t>
             </a:r>
@@ -22932,6 +24001,8 @@
                 <a:solidFill>
                   <a:schemeClr val="tx1"/>
                 </a:solidFill>
+                <a:latin typeface="맑은 고딕" panose="020B0503020000020004" pitchFamily="50" charset="-127"/>
+                <a:ea typeface="맑은 고딕" panose="020B0503020000020004" pitchFamily="50" charset="-127"/>
               </a:rPr>
               <a:t>현재보다 오른쪽 볼 필요</a:t>
             </a:r>
@@ -22940,6 +24011,8 @@
                 <a:solidFill>
                   <a:schemeClr val="tx1"/>
                 </a:solidFill>
+                <a:latin typeface="맑은 고딕" panose="020B0503020000020004" pitchFamily="50" charset="-127"/>
+                <a:ea typeface="맑은 고딕" panose="020B0503020000020004" pitchFamily="50" charset="-127"/>
               </a:rPr>
               <a:t>x</a:t>
             </a:r>
@@ -22951,6 +24024,8 @@
                 <a:solidFill>
                   <a:schemeClr val="tx1"/>
                 </a:solidFill>
+                <a:latin typeface="맑은 고딕" panose="020B0503020000020004" pitchFamily="50" charset="-127"/>
+                <a:ea typeface="맑은 고딕" panose="020B0503020000020004" pitchFamily="50" charset="-127"/>
               </a:rPr>
               <a:t>high = mid, </a:t>
             </a:r>
@@ -22959,6 +24034,8 @@
                 <a:solidFill>
                   <a:schemeClr val="tx1"/>
                 </a:solidFill>
+                <a:latin typeface="맑은 고딕" panose="020B0503020000020004" pitchFamily="50" charset="-127"/>
+                <a:ea typeface="맑은 고딕" panose="020B0503020000020004" pitchFamily="50" charset="-127"/>
               </a:rPr>
               <a:t>ans</a:t>
             </a:r>
@@ -22967,6 +24044,8 @@
                 <a:solidFill>
                   <a:schemeClr val="tx1"/>
                 </a:solidFill>
+                <a:latin typeface="맑은 고딕" panose="020B0503020000020004" pitchFamily="50" charset="-127"/>
+                <a:ea typeface="맑은 고딕" panose="020B0503020000020004" pitchFamily="50" charset="-127"/>
               </a:rPr>
               <a:t> = mid</a:t>
             </a:r>
@@ -22978,6 +24057,8 @@
                 <a:solidFill>
                   <a:schemeClr val="tx1"/>
                 </a:solidFill>
+                <a:latin typeface="맑은 고딕" panose="020B0503020000020004" pitchFamily="50" charset="-127"/>
+                <a:ea typeface="맑은 고딕" panose="020B0503020000020004" pitchFamily="50" charset="-127"/>
               </a:rPr>
               <a:t>Flase</a:t>
             </a:r>
@@ -22986,6 +24067,8 @@
                 <a:solidFill>
                   <a:schemeClr val="tx1"/>
                 </a:solidFill>
+                <a:latin typeface="맑은 고딕" panose="020B0503020000020004" pitchFamily="50" charset="-127"/>
+                <a:ea typeface="맑은 고딕" panose="020B0503020000020004" pitchFamily="50" charset="-127"/>
               </a:rPr>
               <a:t>라면 </a:t>
             </a:r>
@@ -22994,6 +24077,8 @@
                 <a:solidFill>
                   <a:schemeClr val="tx1"/>
                 </a:solidFill>
+                <a:latin typeface="맑은 고딕" panose="020B0503020000020004" pitchFamily="50" charset="-127"/>
+                <a:ea typeface="맑은 고딕" panose="020B0503020000020004" pitchFamily="50" charset="-127"/>
               </a:rPr>
               <a:t>=&gt; </a:t>
             </a:r>
@@ -23002,6 +24087,8 @@
                 <a:solidFill>
                   <a:schemeClr val="tx1"/>
                 </a:solidFill>
+                <a:latin typeface="맑은 고딕" panose="020B0503020000020004" pitchFamily="50" charset="-127"/>
+                <a:ea typeface="맑은 고딕" panose="020B0503020000020004" pitchFamily="50" charset="-127"/>
               </a:rPr>
               <a:t>현재보다 왼쪽 볼 필요</a:t>
             </a:r>
@@ -23010,6 +24097,8 @@
                 <a:solidFill>
                   <a:schemeClr val="tx1"/>
                 </a:solidFill>
+                <a:latin typeface="맑은 고딕" panose="020B0503020000020004" pitchFamily="50" charset="-127"/>
+                <a:ea typeface="맑은 고딕" panose="020B0503020000020004" pitchFamily="50" charset="-127"/>
               </a:rPr>
               <a:t>x</a:t>
             </a:r>
@@ -23021,6 +24110,8 @@
                 <a:solidFill>
                   <a:schemeClr val="tx1"/>
                 </a:solidFill>
+                <a:latin typeface="맑은 고딕" panose="020B0503020000020004" pitchFamily="50" charset="-127"/>
+                <a:ea typeface="맑은 고딕" panose="020B0503020000020004" pitchFamily="50" charset="-127"/>
               </a:rPr>
               <a:t>left = mid</a:t>
             </a:r>
@@ -23451,6 +24542,8 @@
                 <a:solidFill>
                   <a:srgbClr val="002060"/>
                 </a:solidFill>
+                <a:latin typeface="맑은 고딕" panose="020B0503020000020004" pitchFamily="50" charset="-127"/>
+                <a:ea typeface="맑은 고딕" panose="020B0503020000020004" pitchFamily="50" charset="-127"/>
               </a:rPr>
               <a:t>가장 왼쪽의 </a:t>
             </a:r>
@@ -23459,6 +24552,8 @@
                 <a:solidFill>
                   <a:srgbClr val="002060"/>
                 </a:solidFill>
+                <a:latin typeface="맑은 고딕" panose="020B0503020000020004" pitchFamily="50" charset="-127"/>
+                <a:ea typeface="맑은 고딕" panose="020B0503020000020004" pitchFamily="50" charset="-127"/>
               </a:rPr>
               <a:t>T</a:t>
             </a:r>
@@ -23467,6 +24562,8 @@
                 <a:solidFill>
                   <a:srgbClr val="002060"/>
                 </a:solidFill>
+                <a:latin typeface="맑은 고딕" panose="020B0503020000020004" pitchFamily="50" charset="-127"/>
+                <a:ea typeface="맑은 고딕" panose="020B0503020000020004" pitchFamily="50" charset="-127"/>
               </a:rPr>
               <a:t>를 만드는 정수 찾기</a:t>
             </a:r>
@@ -23523,7 +24620,7 @@
         </p:nvSpPr>
         <p:spPr>
           <a:xfrm>
-            <a:off x="6810156" y="1919342"/>
+            <a:off x="6810156" y="1964607"/>
             <a:ext cx="806638" cy="369332"/>
           </a:xfrm>
           <a:prstGeom prst="rect">
@@ -23559,7 +24656,7 @@
         </p:nvSpPr>
         <p:spPr>
           <a:xfrm>
-            <a:off x="5918813" y="1920169"/>
+            <a:off x="5918813" y="1965434"/>
             <a:ext cx="806638" cy="369332"/>
           </a:xfrm>
           <a:prstGeom prst="rect">
@@ -23745,6 +24842,8 @@
                 <a:solidFill>
                   <a:schemeClr val="tx1"/>
                 </a:solidFill>
+                <a:latin typeface="맑은 고딕" panose="020B0503020000020004" pitchFamily="50" charset="-127"/>
+                <a:ea typeface="맑은 고딕" panose="020B0503020000020004" pitchFamily="50" charset="-127"/>
               </a:rPr>
               <a:t>while</a:t>
             </a:r>
@@ -23753,6 +24852,8 @@
                 <a:solidFill>
                   <a:schemeClr val="tx1"/>
                 </a:solidFill>
+                <a:latin typeface="맑은 고딕" panose="020B0503020000020004" pitchFamily="50" charset="-127"/>
+                <a:ea typeface="맑은 고딕" panose="020B0503020000020004" pitchFamily="50" charset="-127"/>
               </a:rPr>
               <a:t>문 탈출했는데</a:t>
             </a:r>
@@ -23761,6 +24862,8 @@
                 <a:solidFill>
                   <a:schemeClr val="tx1"/>
                 </a:solidFill>
+                <a:latin typeface="맑은 고딕" panose="020B0503020000020004" pitchFamily="50" charset="-127"/>
+                <a:ea typeface="맑은 고딕" panose="020B0503020000020004" pitchFamily="50" charset="-127"/>
               </a:rPr>
               <a:t>, </a:t>
             </a:r>
@@ -23769,6 +24872,8 @@
                 <a:solidFill>
                   <a:schemeClr val="tx1"/>
                 </a:solidFill>
+                <a:latin typeface="맑은 고딕" panose="020B0503020000020004" pitchFamily="50" charset="-127"/>
+                <a:ea typeface="맑은 고딕" panose="020B0503020000020004" pitchFamily="50" charset="-127"/>
               </a:rPr>
               <a:t>정수 </a:t>
             </a:r>
@@ -23777,6 +24882,8 @@
                 <a:solidFill>
                   <a:schemeClr val="tx1"/>
                 </a:solidFill>
+                <a:latin typeface="맑은 고딕" panose="020B0503020000020004" pitchFamily="50" charset="-127"/>
+                <a:ea typeface="맑은 고딕" panose="020B0503020000020004" pitchFamily="50" charset="-127"/>
               </a:rPr>
               <a:t>0^2 &gt;= n</a:t>
             </a:r>
@@ -23785,6 +24892,8 @@
                 <a:solidFill>
                   <a:schemeClr val="tx1"/>
                 </a:solidFill>
+                <a:latin typeface="맑은 고딕" panose="020B0503020000020004" pitchFamily="50" charset="-127"/>
+                <a:ea typeface="맑은 고딕" panose="020B0503020000020004" pitchFamily="50" charset="-127"/>
               </a:rPr>
               <a:t> 확인 필요</a:t>
             </a:r>
@@ -23793,6 +24902,8 @@
                 <a:solidFill>
                   <a:schemeClr val="tx1"/>
                 </a:solidFill>
+                <a:latin typeface="맑은 고딕" panose="020B0503020000020004" pitchFamily="50" charset="-127"/>
+                <a:ea typeface="맑은 고딕" panose="020B0503020000020004" pitchFamily="50" charset="-127"/>
               </a:rPr>
               <a:t>!!</a:t>
             </a:r>
@@ -23804,6 +24915,8 @@
                 <a:solidFill>
                   <a:schemeClr val="tx1"/>
                 </a:solidFill>
+                <a:latin typeface="맑은 고딕" panose="020B0503020000020004" pitchFamily="50" charset="-127"/>
+                <a:ea typeface="맑은 고딕" panose="020B0503020000020004" pitchFamily="50" charset="-127"/>
               </a:rPr>
               <a:t>(</a:t>
             </a:r>
@@ -23812,6 +24925,8 @@
                 <a:solidFill>
                   <a:schemeClr val="tx1"/>
                 </a:solidFill>
+                <a:latin typeface="맑은 고딕" panose="020B0503020000020004" pitchFamily="50" charset="-127"/>
+                <a:ea typeface="맑은 고딕" panose="020B0503020000020004" pitchFamily="50" charset="-127"/>
               </a:rPr>
               <a:t>즉</a:t>
             </a:r>
@@ -23820,6 +24935,8 @@
                 <a:solidFill>
                   <a:schemeClr val="tx1"/>
                 </a:solidFill>
+                <a:latin typeface="맑은 고딕" panose="020B0503020000020004" pitchFamily="50" charset="-127"/>
+                <a:ea typeface="맑은 고딕" panose="020B0503020000020004" pitchFamily="50" charset="-127"/>
               </a:rPr>
               <a:t>, n==0</a:t>
             </a:r>
@@ -23828,6 +24945,8 @@
                 <a:solidFill>
                   <a:schemeClr val="tx1"/>
                 </a:solidFill>
+                <a:latin typeface="맑은 고딕" panose="020B0503020000020004" pitchFamily="50" charset="-127"/>
+                <a:ea typeface="맑은 고딕" panose="020B0503020000020004" pitchFamily="50" charset="-127"/>
               </a:rPr>
               <a:t>인지</a:t>
             </a:r>
@@ -23836,6 +24955,8 @@
                 <a:solidFill>
                   <a:schemeClr val="tx1"/>
                 </a:solidFill>
+                <a:latin typeface="맑은 고딕" panose="020B0503020000020004" pitchFamily="50" charset="-127"/>
+                <a:ea typeface="맑은 고딕" panose="020B0503020000020004" pitchFamily="50" charset="-127"/>
               </a:rPr>
               <a:t>)</a:t>
             </a:r>
@@ -23857,7 +24978,7 @@
           <p:nvPr>
             <p:extLst>
               <p:ext uri="{D42A27DB-BD31-4B8C-83A1-F6EECF244321}">
-                <p14:modId xmlns:p14="http://schemas.microsoft.com/office/powerpoint/2010/main" val="1246258683"/>
+                <p14:modId xmlns:p14="http://schemas.microsoft.com/office/powerpoint/2010/main" val="2539616127"/>
               </p:ext>
             </p:extLst>
           </p:nvPr>
@@ -23983,14 +25104,14 @@
                       <a:r>
                         <a:rPr lang="en-US" altLang="ko-KR" sz="4000" dirty="0">
                           <a:solidFill>
-                            <a:schemeClr val="tx1"/>
+                            <a:srgbClr val="00B050"/>
                           </a:solidFill>
                         </a:rPr>
                         <a:t>T</a:t>
                       </a:r>
                       <a:endParaRPr lang="ko-KR" altLang="en-US" sz="4000" dirty="0">
                         <a:solidFill>
-                          <a:schemeClr val="tx1"/>
+                          <a:srgbClr val="00B050"/>
                         </a:solidFill>
                       </a:endParaRPr>
                     </a:p>
@@ -24245,7 +25366,7 @@
           <a:p>
             <a:r>
               <a:rPr lang="en-US" altLang="ko-KR" dirty="0"/>
-              <a:t>high</a:t>
+              <a:t>mid</a:t>
             </a:r>
             <a:endParaRPr lang="ko-KR" altLang="en-US" dirty="0"/>
           </a:p>
@@ -24779,6 +25900,8 @@
                 <a:solidFill>
                   <a:schemeClr val="tx1"/>
                 </a:solidFill>
+                <a:latin typeface="맑은 고딕" panose="020B0503020000020004" pitchFamily="50" charset="-127"/>
+                <a:ea typeface="맑은 고딕" panose="020B0503020000020004" pitchFamily="50" charset="-127"/>
               </a:rPr>
               <a:t>이 </a:t>
             </a:r>
@@ -24787,6 +25910,8 @@
                 <a:solidFill>
                   <a:schemeClr val="tx1"/>
                 </a:solidFill>
+                <a:latin typeface="맑은 고딕" panose="020B0503020000020004" pitchFamily="50" charset="-127"/>
+                <a:ea typeface="맑은 고딕" panose="020B0503020000020004" pitchFamily="50" charset="-127"/>
               </a:rPr>
               <a:t>case</a:t>
             </a:r>
@@ -24795,6 +25920,8 @@
                 <a:solidFill>
                   <a:schemeClr val="tx1"/>
                 </a:solidFill>
+                <a:latin typeface="맑은 고딕" panose="020B0503020000020004" pitchFamily="50" charset="-127"/>
+                <a:ea typeface="맑은 고딕" panose="020B0503020000020004" pitchFamily="50" charset="-127"/>
               </a:rPr>
               <a:t>는 고려해야 할까</a:t>
             </a:r>
@@ -24803,6 +25930,8 @@
                 <a:solidFill>
                   <a:schemeClr val="tx1"/>
                 </a:solidFill>
+                <a:latin typeface="맑은 고딕" panose="020B0503020000020004" pitchFamily="50" charset="-127"/>
+                <a:ea typeface="맑은 고딕" panose="020B0503020000020004" pitchFamily="50" charset="-127"/>
               </a:rPr>
               <a:t>?</a:t>
             </a:r>
@@ -24856,6 +25985,8 @@
                 <a:solidFill>
                   <a:schemeClr val="tx1"/>
                 </a:solidFill>
+                <a:latin typeface="맑은 고딕" panose="020B0503020000020004" pitchFamily="50" charset="-127"/>
+                <a:ea typeface="맑은 고딕" panose="020B0503020000020004" pitchFamily="50" charset="-127"/>
               </a:rPr>
               <a:t>high</a:t>
             </a:r>
@@ -24864,6 +25995,8 @@
                 <a:solidFill>
                   <a:schemeClr val="tx1"/>
                 </a:solidFill>
+                <a:latin typeface="맑은 고딕" panose="020B0503020000020004" pitchFamily="50" charset="-127"/>
+                <a:ea typeface="맑은 고딕" panose="020B0503020000020004" pitchFamily="50" charset="-127"/>
               </a:rPr>
               <a:t> 초기값을 넓게 줬다면</a:t>
             </a:r>
@@ -24872,6 +26005,8 @@
                 <a:solidFill>
                   <a:schemeClr val="tx1"/>
                 </a:solidFill>
+                <a:latin typeface="맑은 고딕" panose="020B0503020000020004" pitchFamily="50" charset="-127"/>
+                <a:ea typeface="맑은 고딕" panose="020B0503020000020004" pitchFamily="50" charset="-127"/>
               </a:rPr>
               <a:t>, </a:t>
             </a:r>
@@ -24880,6 +26015,8 @@
                 <a:solidFill>
                   <a:schemeClr val="tx1"/>
                 </a:solidFill>
+                <a:latin typeface="맑은 고딕" panose="020B0503020000020004" pitchFamily="50" charset="-127"/>
+                <a:ea typeface="맑은 고딕" panose="020B0503020000020004" pitchFamily="50" charset="-127"/>
               </a:rPr>
               <a:t>필요</a:t>
             </a:r>
@@ -24888,6 +26025,8 @@
                 <a:solidFill>
                   <a:schemeClr val="tx1"/>
                 </a:solidFill>
+                <a:latin typeface="맑은 고딕" panose="020B0503020000020004" pitchFamily="50" charset="-127"/>
+                <a:ea typeface="맑은 고딕" panose="020B0503020000020004" pitchFamily="50" charset="-127"/>
               </a:rPr>
               <a:t>x </a:t>
             </a:r>
@@ -24909,7 +26048,7 @@
           <p:nvPr>
             <p:extLst>
               <p:ext uri="{D42A27DB-BD31-4B8C-83A1-F6EECF244321}">
-                <p14:modId xmlns:p14="http://schemas.microsoft.com/office/powerpoint/2010/main" val="2546181940"/>
+                <p14:modId xmlns:p14="http://schemas.microsoft.com/office/powerpoint/2010/main" val="1702873094"/>
               </p:ext>
             </p:extLst>
           </p:nvPr>
@@ -24963,7 +26102,7 @@
                             <a:schemeClr val="tx1"/>
                           </a:solidFill>
                         </a:rPr>
-                        <a:t>T</a:t>
+                        <a:t>.</a:t>
                       </a:r>
                       <a:endParaRPr lang="ko-KR" altLang="en-US" sz="4000" dirty="0">
                         <a:solidFill>
@@ -24989,7 +26128,7 @@
                             <a:schemeClr val="tx1"/>
                           </a:solidFill>
                         </a:rPr>
-                        <a:t>T</a:t>
+                        <a:t>.</a:t>
                       </a:r>
                       <a:endParaRPr lang="ko-KR" altLang="en-US" sz="4000" dirty="0">
                         <a:solidFill>
@@ -25036,6 +26175,78 @@
           </a:graphicData>
         </a:graphic>
       </p:graphicFrame>
+      <p:sp>
+        <p:nvSpPr>
+          <p:cNvPr id="17" name="TextBox 16">
+            <a:extLst>
+              <a:ext uri="{FF2B5EF4-FFF2-40B4-BE49-F238E27FC236}">
+                <a16:creationId xmlns:a16="http://schemas.microsoft.com/office/drawing/2014/main" id="{472A9EB7-4A56-A21E-6B1B-444A488FA3C2}"/>
+              </a:ext>
+            </a:extLst>
+          </p:cNvPr>
+          <p:cNvSpPr txBox="1"/>
+          <p:nvPr/>
+        </p:nvSpPr>
+        <p:spPr>
+          <a:xfrm>
+            <a:off x="2249751" y="1935729"/>
+            <a:ext cx="806638" cy="369332"/>
+          </a:xfrm>
+          <a:prstGeom prst="rect">
+            <a:avLst/>
+          </a:prstGeom>
+          <a:noFill/>
+        </p:spPr>
+        <p:txBody>
+          <a:bodyPr wrap="square" rtlCol="0">
+            <a:spAutoFit/>
+          </a:bodyPr>
+          <a:lstStyle/>
+          <a:p>
+            <a:r>
+              <a:rPr lang="en-US" altLang="ko-KR" dirty="0"/>
+              <a:t>high</a:t>
+            </a:r>
+            <a:endParaRPr lang="ko-KR" altLang="en-US" dirty="0"/>
+          </a:p>
+        </p:txBody>
+      </p:sp>
+      <p:sp>
+        <p:nvSpPr>
+          <p:cNvPr id="18" name="TextBox 17">
+            <a:extLst>
+              <a:ext uri="{FF2B5EF4-FFF2-40B4-BE49-F238E27FC236}">
+                <a16:creationId xmlns:a16="http://schemas.microsoft.com/office/drawing/2014/main" id="{A932CEAB-6E0A-E294-FF6C-DC5E6D8B06F0}"/>
+              </a:ext>
+            </a:extLst>
+          </p:cNvPr>
+          <p:cNvSpPr txBox="1"/>
+          <p:nvPr/>
+        </p:nvSpPr>
+        <p:spPr>
+          <a:xfrm>
+            <a:off x="1327439" y="1910351"/>
+            <a:ext cx="806638" cy="369332"/>
+          </a:xfrm>
+          <a:prstGeom prst="rect">
+            <a:avLst/>
+          </a:prstGeom>
+          <a:noFill/>
+        </p:spPr>
+        <p:txBody>
+          <a:bodyPr wrap="square" rtlCol="0">
+            <a:spAutoFit/>
+          </a:bodyPr>
+          <a:lstStyle/>
+          <a:p>
+            <a:r>
+              <a:rPr lang="en-US" altLang="ko-KR" dirty="0"/>
+              <a:t>high</a:t>
+            </a:r>
+            <a:endParaRPr lang="ko-KR" altLang="en-US" dirty="0"/>
+          </a:p>
+        </p:txBody>
+      </p:sp>
     </p:spTree>
     <p:extLst>
       <p:ext uri="{BB962C8B-B14F-4D97-AF65-F5344CB8AC3E}">
@@ -25067,7 +26278,7 @@
                             </p:stCondLst>
                             <p:childTnLst>
                               <p:par>
-                                <p:cTn id="5" presetID="1" presetClass="entr" presetSubtype="0" fill="hold" nodeType="clickEffect">
+                                <p:cTn id="5" presetID="1" presetClass="exit" presetSubtype="0" fill="hold" grpId="0" nodeType="clickEffect">
                                   <p:stCondLst>
                                     <p:cond delay="0"/>
                                   </p:stCondLst>
@@ -25075,6 +26286,105 @@
                                     <p:set>
                                       <p:cBhvr>
                                         <p:cTn id="6" dur="1" fill="hold">
+                                          <p:stCondLst>
+                                            <p:cond delay="0"/>
+                                          </p:stCondLst>
+                                        </p:cTn>
+                                        <p:tgtEl>
+                                          <p:spTgt spid="8"/>
+                                        </p:tgtEl>
+                                        <p:attrNameLst>
+                                          <p:attrName>style.visibility</p:attrName>
+                                        </p:attrNameLst>
+                                      </p:cBhvr>
+                                      <p:to>
+                                        <p:strVal val="hidden"/>
+                                      </p:to>
+                                    </p:set>
+                                  </p:childTnLst>
+                                </p:cTn>
+                              </p:par>
+                              <p:par>
+                                <p:cTn id="7" presetID="1" presetClass="exit" presetSubtype="0" fill="hold" grpId="0" nodeType="withEffect">
+                                  <p:stCondLst>
+                                    <p:cond delay="0"/>
+                                  </p:stCondLst>
+                                  <p:childTnLst>
+                                    <p:set>
+                                      <p:cBhvr>
+                                        <p:cTn id="8" dur="1" fill="hold">
+                                          <p:stCondLst>
+                                            <p:cond delay="0"/>
+                                          </p:stCondLst>
+                                        </p:cTn>
+                                        <p:tgtEl>
+                                          <p:spTgt spid="17"/>
+                                        </p:tgtEl>
+                                        <p:attrNameLst>
+                                          <p:attrName>style.visibility</p:attrName>
+                                        </p:attrNameLst>
+                                      </p:cBhvr>
+                                      <p:to>
+                                        <p:strVal val="hidden"/>
+                                      </p:to>
+                                    </p:set>
+                                  </p:childTnLst>
+                                </p:cTn>
+                              </p:par>
+                              <p:par>
+                                <p:cTn id="9" presetID="1" presetClass="entr" presetSubtype="0" fill="hold" grpId="0" nodeType="withEffect">
+                                  <p:stCondLst>
+                                    <p:cond delay="0"/>
+                                  </p:stCondLst>
+                                  <p:childTnLst>
+                                    <p:set>
+                                      <p:cBhvr>
+                                        <p:cTn id="10" dur="1" fill="hold">
+                                          <p:stCondLst>
+                                            <p:cond delay="0"/>
+                                          </p:stCondLst>
+                                        </p:cTn>
+                                        <p:tgtEl>
+                                          <p:spTgt spid="18"/>
+                                        </p:tgtEl>
+                                        <p:attrNameLst>
+                                          <p:attrName>style.visibility</p:attrName>
+                                        </p:attrNameLst>
+                                      </p:cBhvr>
+                                      <p:to>
+                                        <p:strVal val="visible"/>
+                                      </p:to>
+                                    </p:set>
+                                  </p:childTnLst>
+                                </p:cTn>
+                              </p:par>
+                            </p:childTnLst>
+                          </p:cTn>
+                        </p:par>
+                      </p:childTnLst>
+                    </p:cTn>
+                  </p:par>
+                  <p:par>
+                    <p:cTn id="11" fill="hold">
+                      <p:stCondLst>
+                        <p:cond delay="indefinite"/>
+                      </p:stCondLst>
+                      <p:childTnLst>
+                        <p:par>
+                          <p:cTn id="12" fill="hold">
+                            <p:stCondLst>
+                              <p:cond delay="0"/>
+                            </p:stCondLst>
+                            <p:childTnLst>
+                              <p:par>
+                                <p:cTn id="13" presetID="1" presetClass="entr" presetSubtype="0" fill="hold" nodeType="clickEffect">
+                                  <p:stCondLst>
+                                    <p:cond delay="0"/>
+                                  </p:stCondLst>
+                                  <p:childTnLst>
+                                    <p:set>
+                                      <p:cBhvr>
+                                        <p:cTn id="14" dur="1" fill="hold">
                                           <p:stCondLst>
                                             <p:cond delay="0"/>
                                           </p:stCondLst>
@@ -25094,14 +26404,14 @@
                                 </p:cTn>
                               </p:par>
                               <p:par>
-                                <p:cTn id="7" presetID="1" presetClass="entr" presetSubtype="0" fill="hold" grpId="0" nodeType="withEffect">
+                                <p:cTn id="15" presetID="1" presetClass="entr" presetSubtype="0" fill="hold" grpId="0" nodeType="withEffect">
                                   <p:stCondLst>
                                     <p:cond delay="0"/>
                                   </p:stCondLst>
                                   <p:childTnLst>
                                     <p:set>
                                       <p:cBhvr>
-                                        <p:cTn id="8" dur="1" fill="hold">
+                                        <p:cTn id="16" dur="1" fill="hold">
                                           <p:stCondLst>
                                             <p:cond delay="0"/>
                                           </p:stCondLst>
@@ -25121,14 +26431,14 @@
                                 </p:cTn>
                               </p:par>
                               <p:par>
-                                <p:cTn id="9" presetID="1" presetClass="entr" presetSubtype="0" fill="hold" grpId="0" nodeType="withEffect">
+                                <p:cTn id="17" presetID="1" presetClass="entr" presetSubtype="0" fill="hold" grpId="0" nodeType="withEffect">
                                   <p:stCondLst>
                                     <p:cond delay="0"/>
                                   </p:stCondLst>
                                   <p:childTnLst>
                                     <p:set>
                                       <p:cBhvr>
-                                        <p:cTn id="10" dur="1" fill="hold">
+                                        <p:cTn id="18" dur="1" fill="hold">
                                           <p:stCondLst>
                                             <p:cond delay="0"/>
                                           </p:stCondLst>
@@ -25148,14 +26458,14 @@
                                 </p:cTn>
                               </p:par>
                               <p:par>
-                                <p:cTn id="11" presetID="1" presetClass="entr" presetSubtype="0" fill="hold" grpId="0" nodeType="withEffect">
+                                <p:cTn id="19" presetID="1" presetClass="entr" presetSubtype="0" fill="hold" grpId="0" nodeType="withEffect">
                                   <p:stCondLst>
                                     <p:cond delay="0"/>
                                   </p:stCondLst>
                                   <p:childTnLst>
                                     <p:set>
                                       <p:cBhvr>
-                                        <p:cTn id="12" dur="1" fill="hold">
+                                        <p:cTn id="20" dur="1" fill="hold">
                                           <p:stCondLst>
                                             <p:cond delay="0"/>
                                           </p:stCondLst>
@@ -25181,26 +26491,26 @@
                     </p:cTn>
                   </p:par>
                   <p:par>
-                    <p:cTn id="13" fill="hold">
+                    <p:cTn id="21" fill="hold">
                       <p:stCondLst>
                         <p:cond delay="indefinite"/>
                       </p:stCondLst>
                       <p:childTnLst>
                         <p:par>
-                          <p:cTn id="14" fill="hold">
+                          <p:cTn id="22" fill="hold">
                             <p:stCondLst>
                               <p:cond delay="0"/>
                             </p:stCondLst>
                             <p:childTnLst>
                               <p:par>
-                                <p:cTn id="15" presetID="10" presetClass="entr" presetSubtype="0" fill="hold" nodeType="clickEffect">
+                                <p:cTn id="23" presetID="10" presetClass="entr" presetSubtype="0" fill="hold" nodeType="clickEffect">
                                   <p:stCondLst>
                                     <p:cond delay="0"/>
                                   </p:stCondLst>
                                   <p:childTnLst>
                                     <p:set>
                                       <p:cBhvr>
-                                        <p:cTn id="16" dur="1" fill="hold">
+                                        <p:cTn id="24" dur="1" fill="hold">
                                           <p:stCondLst>
                                             <p:cond delay="0"/>
                                           </p:stCondLst>
@@ -25218,7 +26528,7 @@
                                     </p:set>
                                     <p:animEffect transition="in" filter="fade">
                                       <p:cBhvr>
-                                        <p:cTn id="17" dur="1000"/>
+                                        <p:cTn id="25" dur="1000"/>
                                         <p:tgtEl>
                                           <p:spTgt spid="16"/>
                                         </p:tgtEl>
@@ -25228,14 +26538,14 @@
                                 </p:cTn>
                               </p:par>
                               <p:par>
-                                <p:cTn id="18" presetID="10" presetClass="entr" presetSubtype="0" fill="hold" grpId="0" nodeType="withEffect">
+                                <p:cTn id="26" presetID="10" presetClass="entr" presetSubtype="0" fill="hold" grpId="0" nodeType="withEffect">
                                   <p:stCondLst>
                                     <p:cond delay="0"/>
                                   </p:stCondLst>
                                   <p:childTnLst>
                                     <p:set>
                                       <p:cBhvr>
-                                        <p:cTn id="19" dur="1" fill="hold">
+                                        <p:cTn id="27" dur="1" fill="hold">
                                           <p:stCondLst>
                                             <p:cond delay="0"/>
                                           </p:stCondLst>
@@ -25253,7 +26563,7 @@
                                     </p:set>
                                     <p:animEffect transition="in" filter="fade">
                                       <p:cBhvr>
-                                        <p:cTn id="20" dur="1000"/>
+                                        <p:cTn id="28" dur="1000"/>
                                         <p:tgtEl>
                                           <p:spTgt spid="15"/>
                                         </p:tgtEl>
@@ -25290,10 +26600,13 @@
       </p:par>
     </p:tnLst>
     <p:bldLst>
+      <p:bldP spid="8" grpId="0"/>
       <p:bldP spid="12" grpId="0"/>
       <p:bldP spid="13" grpId="0"/>
       <p:bldP spid="14" grpId="0" animBg="1"/>
       <p:bldP spid="15" grpId="0" animBg="1"/>
+      <p:bldP spid="17" grpId="0"/>
+      <p:bldP spid="18" grpId="0"/>
     </p:bldLst>
   </p:timing>
 </p:sld>
@@ -25492,7 +26805,7 @@
                   <a:schemeClr val="tx1"/>
                 </a:solidFill>
               </a:rPr>
-              <a:t>Check </a:t>
+              <a:t>check </a:t>
             </a:r>
             <a:r>
               <a:rPr lang="ko-KR" altLang="en-US" sz="2800" dirty="0">
@@ -30161,6 +31474,8 @@
                 <a:solidFill>
                   <a:schemeClr val="tx1"/>
                 </a:solidFill>
+                <a:latin typeface="맑은 고딕" panose="020B0503020000020004" pitchFamily="50" charset="-127"/>
+                <a:ea typeface="맑은 고딕" panose="020B0503020000020004" pitchFamily="50" charset="-127"/>
               </a:rPr>
               <a:t>한 </a:t>
             </a:r>
@@ -30169,6 +31484,8 @@
                 <a:solidFill>
                   <a:schemeClr val="tx1"/>
                 </a:solidFill>
+                <a:latin typeface="맑은 고딕" panose="020B0503020000020004" pitchFamily="50" charset="-127"/>
+                <a:ea typeface="맑은 고딕" panose="020B0503020000020004" pitchFamily="50" charset="-127"/>
               </a:rPr>
               <a:t>줄씩</a:t>
             </a:r>
@@ -30177,6 +31494,8 @@
                 <a:solidFill>
                   <a:schemeClr val="tx1"/>
                 </a:solidFill>
+                <a:latin typeface="맑은 고딕" panose="020B0503020000020004" pitchFamily="50" charset="-127"/>
+                <a:ea typeface="맑은 고딕" panose="020B0503020000020004" pitchFamily="50" charset="-127"/>
               </a:rPr>
               <a:t> 읽을 때마다 </a:t>
             </a:r>
@@ -30185,6 +31504,8 @@
                 <a:solidFill>
                   <a:schemeClr val="tx1"/>
                 </a:solidFill>
+                <a:latin typeface="맑은 고딕" panose="020B0503020000020004" pitchFamily="50" charset="-127"/>
+                <a:ea typeface="맑은 고딕" panose="020B0503020000020004" pitchFamily="50" charset="-127"/>
               </a:rPr>
               <a:t>freq</a:t>
             </a:r>
@@ -30193,6 +31514,8 @@
                 <a:solidFill>
                   <a:schemeClr val="tx1"/>
                 </a:solidFill>
+                <a:latin typeface="맑은 고딕" panose="020B0503020000020004" pitchFamily="50" charset="-127"/>
+                <a:ea typeface="맑은 고딕" panose="020B0503020000020004" pitchFamily="50" charset="-127"/>
               </a:rPr>
               <a:t>배열에 </a:t>
             </a:r>
@@ -30201,6 +31524,8 @@
                 <a:solidFill>
                   <a:schemeClr val="tx1"/>
                 </a:solidFill>
+                <a:latin typeface="맑은 고딕" panose="020B0503020000020004" pitchFamily="50" charset="-127"/>
+                <a:ea typeface="맑은 고딕" panose="020B0503020000020004" pitchFamily="50" charset="-127"/>
               </a:rPr>
               <a:t>1</a:t>
             </a:r>
@@ -30209,6 +31534,8 @@
                 <a:solidFill>
                   <a:schemeClr val="tx1"/>
                 </a:solidFill>
+                <a:latin typeface="맑은 고딕" panose="020B0503020000020004" pitchFamily="50" charset="-127"/>
+                <a:ea typeface="맑은 고딕" panose="020B0503020000020004" pitchFamily="50" charset="-127"/>
               </a:rPr>
               <a:t>씩 추가</a:t>
             </a:r>
@@ -30217,6 +31544,8 @@
                 <a:solidFill>
                   <a:schemeClr val="tx1"/>
                 </a:solidFill>
+                <a:latin typeface="맑은 고딕" panose="020B0503020000020004" pitchFamily="50" charset="-127"/>
+                <a:ea typeface="맑은 고딕" panose="020B0503020000020004" pitchFamily="50" charset="-127"/>
               </a:rPr>
               <a:t>?</a:t>
             </a:r>
@@ -30224,6 +31553,8 @@
               <a:solidFill>
                 <a:schemeClr val="tx1"/>
               </a:solidFill>
+              <a:latin typeface="맑은 고딕" panose="020B0503020000020004" pitchFamily="50" charset="-127"/>
+              <a:ea typeface="맑은 고딕" panose="020B0503020000020004" pitchFamily="50" charset="-127"/>
             </a:endParaRPr>
           </a:p>
         </p:txBody>
@@ -30275,6 +31606,8 @@
                 <a:solidFill>
                   <a:schemeClr val="tx1"/>
                 </a:solidFill>
+                <a:latin typeface="맑은 고딕" panose="020B0503020000020004" pitchFamily="50" charset="-127"/>
+                <a:ea typeface="맑은 고딕" panose="020B0503020000020004" pitchFamily="50" charset="-127"/>
               </a:rPr>
               <a:t>A, B, C</a:t>
             </a:r>
@@ -30283,6 +31616,8 @@
                 <a:solidFill>
                   <a:schemeClr val="tx1"/>
                 </a:solidFill>
+                <a:latin typeface="맑은 고딕" panose="020B0503020000020004" pitchFamily="50" charset="-127"/>
+                <a:ea typeface="맑은 고딕" panose="020B0503020000020004" pitchFamily="50" charset="-127"/>
               </a:rPr>
               <a:t>는</a:t>
             </a:r>
@@ -30290,6 +31625,8 @@
               <a:solidFill>
                 <a:schemeClr val="tx1"/>
               </a:solidFill>
+              <a:latin typeface="맑은 고딕" panose="020B0503020000020004" pitchFamily="50" charset="-127"/>
+              <a:ea typeface="맑은 고딕" panose="020B0503020000020004" pitchFamily="50" charset="-127"/>
             </a:endParaRPr>
           </a:p>
           <a:p>
@@ -30299,6 +31636,8 @@
                 <a:solidFill>
                   <a:schemeClr val="tx1"/>
                 </a:solidFill>
+                <a:latin typeface="맑은 고딕" panose="020B0503020000020004" pitchFamily="50" charset="-127"/>
+                <a:ea typeface="맑은 고딕" panose="020B0503020000020004" pitchFamily="50" charset="-127"/>
               </a:rPr>
               <a:t>1~int</a:t>
             </a:r>
@@ -30307,6 +31646,8 @@
                 <a:solidFill>
                   <a:schemeClr val="tx1"/>
                 </a:solidFill>
+                <a:latin typeface="맑은 고딕" panose="020B0503020000020004" pitchFamily="50" charset="-127"/>
+                <a:ea typeface="맑은 고딕" panose="020B0503020000020004" pitchFamily="50" charset="-127"/>
               </a:rPr>
               <a:t>최대 범위</a:t>
             </a:r>
@@ -30358,8 +31699,30 @@
             <a:r>
               <a:rPr lang="ko-KR" altLang="en-US" sz="2800" dirty="0">
                 <a:solidFill>
-                  <a:schemeClr val="tx1"/>
-                </a:solidFill>
+                  <a:srgbClr val="FF0000"/>
+                </a:solidFill>
+                <a:latin typeface="맑은 고딕" panose="020B0503020000020004" pitchFamily="50" charset="-127"/>
+                <a:ea typeface="맑은 고딕" panose="020B0503020000020004" pitchFamily="50" charset="-127"/>
+              </a:rPr>
+              <a:t>시간 초과</a:t>
+            </a:r>
+            <a:endParaRPr lang="en-US" altLang="ko-KR" sz="2800" dirty="0">
+              <a:solidFill>
+                <a:srgbClr val="FF0000"/>
+              </a:solidFill>
+              <a:latin typeface="맑은 고딕" panose="020B0503020000020004" pitchFamily="50" charset="-127"/>
+              <a:ea typeface="맑은 고딕" panose="020B0503020000020004" pitchFamily="50" charset="-127"/>
+            </a:endParaRPr>
+          </a:p>
+          <a:p>
+            <a:pPr algn="ctr"/>
+            <a:r>
+              <a:rPr lang="ko-KR" altLang="en-US" sz="2800" dirty="0">
+                <a:solidFill>
+                  <a:srgbClr val="FF0000"/>
+                </a:solidFill>
+                <a:latin typeface="맑은 고딕" panose="020B0503020000020004" pitchFamily="50" charset="-127"/>
+                <a:ea typeface="맑은 고딕" panose="020B0503020000020004" pitchFamily="50" charset="-127"/>
               </a:rPr>
               <a:t>메모리 초과</a:t>
             </a:r>
@@ -32719,6 +34082,8 @@
                 <a:solidFill>
                   <a:schemeClr val="tx1"/>
                 </a:solidFill>
+                <a:latin typeface="맑은 고딕" panose="020B0503020000020004" pitchFamily="50" charset="-127"/>
+                <a:ea typeface="맑은 고딕" panose="020B0503020000020004" pitchFamily="50" charset="-127"/>
               </a:rPr>
               <a:t>1</a:t>
             </a:r>
@@ -32727,6 +34092,8 @@
                 <a:solidFill>
                   <a:schemeClr val="tx1"/>
                 </a:solidFill>
+                <a:latin typeface="맑은 고딕" panose="020B0503020000020004" pitchFamily="50" charset="-127"/>
+                <a:ea typeface="맑은 고딕" panose="020B0503020000020004" pitchFamily="50" charset="-127"/>
               </a:rPr>
               <a:t>부터 </a:t>
             </a:r>
@@ -32735,6 +34102,8 @@
                 <a:solidFill>
                   <a:schemeClr val="tx1"/>
                 </a:solidFill>
+                <a:latin typeface="맑은 고딕" panose="020B0503020000020004" pitchFamily="50" charset="-127"/>
+                <a:ea typeface="맑은 고딕" panose="020B0503020000020004" pitchFamily="50" charset="-127"/>
               </a:rPr>
               <a:t>int</a:t>
             </a:r>
@@ -32743,6 +34112,8 @@
                 <a:solidFill>
                   <a:schemeClr val="tx1"/>
                 </a:solidFill>
+                <a:latin typeface="맑은 고딕" panose="020B0503020000020004" pitchFamily="50" charset="-127"/>
+                <a:ea typeface="맑은 고딕" panose="020B0503020000020004" pitchFamily="50" charset="-127"/>
               </a:rPr>
               <a:t>최대 범위까지 각각 체크</a:t>
             </a:r>
@@ -32751,6 +34122,8 @@
                 <a:solidFill>
                   <a:schemeClr val="tx1"/>
                 </a:solidFill>
+                <a:latin typeface="맑은 고딕" panose="020B0503020000020004" pitchFamily="50" charset="-127"/>
+                <a:ea typeface="맑은 고딕" panose="020B0503020000020004" pitchFamily="50" charset="-127"/>
               </a:rPr>
               <a:t>?</a:t>
             </a:r>
@@ -32758,6 +34131,8 @@
               <a:solidFill>
                 <a:schemeClr val="tx1"/>
               </a:solidFill>
+              <a:latin typeface="맑은 고딕" panose="020B0503020000020004" pitchFamily="50" charset="-127"/>
+              <a:ea typeface="맑은 고딕" panose="020B0503020000020004" pitchFamily="50" charset="-127"/>
             </a:endParaRPr>
           </a:p>
         </p:txBody>
@@ -32911,8 +34286,10 @@
             <a:r>
               <a:rPr lang="ko-KR" altLang="en-US" sz="2800" dirty="0">
                 <a:solidFill>
-                  <a:schemeClr val="tx1"/>
-                </a:solidFill>
+                  <a:srgbClr val="FF0000"/>
+                </a:solidFill>
+                <a:latin typeface="맑은 고딕" panose="020B0503020000020004" pitchFamily="50" charset="-127"/>
+                <a:ea typeface="맑은 고딕" panose="020B0503020000020004" pitchFamily="50" charset="-127"/>
               </a:rPr>
               <a:t>시간 초과</a:t>
             </a:r>
@@ -33864,15 +35241,6 @@
 </file>
 
 <file path=customXml/item1.xml><?xml version="1.0" encoding="utf-8"?>
-<?mso-contentType ?>
-<FormTemplates xmlns="http://schemas.microsoft.com/sharepoint/v3/contenttype/forms">
-  <Display>DocumentLibraryForm</Display>
-  <Edit>DocumentLibraryForm</Edit>
-  <New>DocumentLibraryForm</New>
-</FormTemplates>
-</file>
-
-<file path=customXml/item2.xml><?xml version="1.0" encoding="utf-8"?>
 <ct:contentTypeSchema xmlns:ct="http://schemas.microsoft.com/office/2006/metadata/contentType" xmlns:ma="http://schemas.microsoft.com/office/2006/metadata/properties/metaAttributes" ct:_="" ma:_="" ma:contentTypeName="Document" ma:contentTypeID="0x01010079F111ED35F8CC479449609E8A0923A6" ma:contentTypeVersion="20" ma:contentTypeDescription="Create a new document." ma:contentTypeScope="" ma:versionID="1267097ee5f5874adfcc408041ae252e">
   <xsd:schema xmlns:xsd="http://www.w3.org/2001/XMLSchema" xmlns:xs="http://www.w3.org/2001/XMLSchema" xmlns:p="http://schemas.microsoft.com/office/2006/metadata/properties" xmlns:ns1="http://schemas.microsoft.com/sharepoint/v3" xmlns:ns2="71af3243-3dd4-4a8d-8c0d-dd76da1f02a5" xmlns:ns3="16c05727-aa75-4e4a-9b5f-8a80a1165891" xmlns:ns4="230e9df3-be65-4c73-a93b-d1236ebd677e" targetNamespace="http://schemas.microsoft.com/office/2006/metadata/properties" ma:root="true" ma:fieldsID="395891a93df65b14727750f2c06c306c" ns1:_="" ns2:_="" ns3:_="" ns4:_="">
     <xsd:import namespace="http://schemas.microsoft.com/sharepoint/v3"/>
@@ -34148,6 +35516,15 @@
 </ct:contentTypeSchema>
 </file>
 
+<file path=customXml/item2.xml><?xml version="1.0" encoding="utf-8"?>
+<?mso-contentType ?>
+<FormTemplates xmlns="http://schemas.microsoft.com/sharepoint/v3/contenttype/forms">
+  <Display>DocumentLibraryForm</Display>
+  <Edit>DocumentLibraryForm</Edit>
+  <New>DocumentLibraryForm</New>
+</FormTemplates>
+</file>
+
 <file path=customXml/item3.xml><?xml version="1.0" encoding="utf-8"?>
 <p:properties xmlns:p="http://schemas.microsoft.com/office/2006/metadata/properties" xmlns:xsi="http://www.w3.org/2001/XMLSchema-instance" xmlns:pc="http://schemas.microsoft.com/office/infopath/2007/PartnerControls">
   <documentManagement>
@@ -34168,14 +35545,6 @@
 </file>
 
 <file path=customXml/itemProps1.xml><?xml version="1.0" encoding="utf-8"?>
-<ds:datastoreItem xmlns:ds="http://schemas.openxmlformats.org/officeDocument/2006/customXml" ds:itemID="{42BC90D6-94CF-42F7-AAC4-9CF6824C54D5}">
-  <ds:schemaRefs>
-    <ds:schemaRef ds:uri="http://schemas.microsoft.com/sharepoint/v3/contenttype/forms"/>
-  </ds:schemaRefs>
-</ds:datastoreItem>
-</file>
-
-<file path=customXml/itemProps2.xml><?xml version="1.0" encoding="utf-8"?>
 <ds:datastoreItem xmlns:ds="http://schemas.openxmlformats.org/officeDocument/2006/customXml" ds:itemID="{64CF2EF3-001F-4BE9-81B3-86ECBBF9425F}">
   <ds:schemaRefs>
     <ds:schemaRef ds:uri="http://schemas.microsoft.com/office/2006/metadata/contentType"/>
@@ -34192,6 +35561,14 @@
     <ds:schemaRef ds:uri="http://purl.org/dc/elements/1.1/"/>
     <ds:schemaRef ds:uri="http://purl.org/dc/terms/"/>
     <ds:schemaRef ds:uri="http://schemas.microsoft.com/internal/obd"/>
+  </ds:schemaRefs>
+</ds:datastoreItem>
+</file>
+
+<file path=customXml/itemProps2.xml><?xml version="1.0" encoding="utf-8"?>
+<ds:datastoreItem xmlns:ds="http://schemas.openxmlformats.org/officeDocument/2006/customXml" ds:itemID="{42BC90D6-94CF-42F7-AAC4-9CF6824C54D5}">
+  <ds:schemaRefs>
+    <ds:schemaRef ds:uri="http://schemas.microsoft.com/sharepoint/v3/contenttype/forms"/>
   </ds:schemaRefs>
 </ds:datastoreItem>
 </file>

--- a/이분 탐색_매개변수 탐색_발표자료.pptx
+++ b/이분 탐색_매개변수 탐색_발표자료.pptx
@@ -18731,12 +18731,12 @@
         <p:spPr>
           <a:xfrm>
             <a:off x="205059" y="235390"/>
-            <a:ext cx="6834933" cy="592260"/>
+            <a:ext cx="7207795" cy="592260"/>
           </a:xfrm>
         </p:spPr>
         <p:txBody>
           <a:bodyPr rtlCol="0">
-            <a:normAutofit fontScale="90000"/>
+            <a:noAutofit/>
           </a:bodyPr>
           <a:lstStyle/>
           <a:p>
@@ -20447,12 +20447,12 @@
         <p:spPr>
           <a:xfrm>
             <a:off x="205059" y="235390"/>
-            <a:ext cx="7287694" cy="592260"/>
+            <a:ext cx="8157706" cy="592260"/>
           </a:xfrm>
         </p:spPr>
         <p:txBody>
           <a:bodyPr rtlCol="0">
-            <a:normAutofit fontScale="90000"/>
+            <a:noAutofit/>
           </a:bodyPr>
           <a:lstStyle/>
           <a:p>
@@ -21773,12 +21773,12 @@
         <p:spPr>
           <a:xfrm>
             <a:off x="205059" y="235390"/>
-            <a:ext cx="7545147" cy="592260"/>
+            <a:ext cx="8495058" cy="592260"/>
           </a:xfrm>
         </p:spPr>
         <p:txBody>
           <a:bodyPr rtlCol="0">
-            <a:normAutofit fontScale="90000"/>
+            <a:noAutofit/>
           </a:bodyPr>
           <a:lstStyle/>
           <a:p>
@@ -22767,12 +22767,12 @@
         <p:spPr>
           <a:xfrm>
             <a:off x="205059" y="235390"/>
-            <a:ext cx="7376471" cy="592260"/>
+            <a:ext cx="8344137" cy="592260"/>
           </a:xfrm>
         </p:spPr>
         <p:txBody>
           <a:bodyPr rtlCol="0">
-            <a:normAutofit fontScale="90000"/>
+            <a:noAutofit/>
           </a:bodyPr>
           <a:lstStyle/>
           <a:p>
@@ -22892,6 +22892,8 @@
                 <a:solidFill>
                   <a:schemeClr val="tx1"/>
                 </a:solidFill>
+                <a:latin typeface="맑은 고딕" panose="020B0503020000020004" pitchFamily="50" charset="-127"/>
+                <a:ea typeface="맑은 고딕" panose="020B0503020000020004" pitchFamily="50" charset="-127"/>
               </a:rPr>
               <a:t>매개변수 탐색하면서 </a:t>
             </a:r>
@@ -22900,6 +22902,8 @@
                 <a:solidFill>
                   <a:schemeClr val="tx1"/>
                 </a:solidFill>
+                <a:latin typeface="맑은 고딕" panose="020B0503020000020004" pitchFamily="50" charset="-127"/>
+                <a:ea typeface="맑은 고딕" panose="020B0503020000020004" pitchFamily="50" charset="-127"/>
               </a:rPr>
               <a:t>ans</a:t>
             </a:r>
@@ -22908,6 +22912,8 @@
                 <a:solidFill>
                   <a:schemeClr val="tx1"/>
                 </a:solidFill>
+                <a:latin typeface="맑은 고딕" panose="020B0503020000020004" pitchFamily="50" charset="-127"/>
+                <a:ea typeface="맑은 고딕" panose="020B0503020000020004" pitchFamily="50" charset="-127"/>
               </a:rPr>
               <a:t> </a:t>
             </a:r>
@@ -22916,6 +22922,8 @@
                 <a:solidFill>
                   <a:schemeClr val="tx1"/>
                 </a:solidFill>
+                <a:latin typeface="맑은 고딕" panose="020B0503020000020004" pitchFamily="50" charset="-127"/>
+                <a:ea typeface="맑은 고딕" panose="020B0503020000020004" pitchFamily="50" charset="-127"/>
               </a:rPr>
               <a:t>갱신</a:t>
             </a:r>
@@ -22923,6 +22931,8 @@
               <a:solidFill>
                 <a:schemeClr val="tx1"/>
               </a:solidFill>
+              <a:latin typeface="맑은 고딕" panose="020B0503020000020004" pitchFamily="50" charset="-127"/>
+              <a:ea typeface="맑은 고딕" panose="020B0503020000020004" pitchFamily="50" charset="-127"/>
             </a:endParaRPr>
           </a:p>
           <a:p>
@@ -22932,6 +22942,8 @@
                 <a:solidFill>
                   <a:schemeClr val="tx1"/>
                 </a:solidFill>
+                <a:latin typeface="맑은 고딕" panose="020B0503020000020004" pitchFamily="50" charset="-127"/>
+                <a:ea typeface="맑은 고딕" panose="020B0503020000020004" pitchFamily="50" charset="-127"/>
               </a:rPr>
               <a:t>check </a:t>
             </a:r>
@@ -22940,6 +22952,8 @@
                 <a:solidFill>
                   <a:schemeClr val="tx1"/>
                 </a:solidFill>
+                <a:latin typeface="맑은 고딕" panose="020B0503020000020004" pitchFamily="50" charset="-127"/>
+                <a:ea typeface="맑은 고딕" panose="020B0503020000020004" pitchFamily="50" charset="-127"/>
               </a:rPr>
               <a:t>과정 </a:t>
             </a:r>
@@ -22948,6 +22962,8 @@
                 <a:solidFill>
                   <a:schemeClr val="tx1"/>
                 </a:solidFill>
+                <a:latin typeface="맑은 고딕" panose="020B0503020000020004" pitchFamily="50" charset="-127"/>
+                <a:ea typeface="맑은 고딕" panose="020B0503020000020004" pitchFamily="50" charset="-127"/>
               </a:rPr>
               <a:t>O(N)</a:t>
             </a:r>
@@ -22956,6 +22972,8 @@
                 <a:solidFill>
                   <a:schemeClr val="tx1"/>
                 </a:solidFill>
+                <a:latin typeface="맑은 고딕" panose="020B0503020000020004" pitchFamily="50" charset="-127"/>
+                <a:ea typeface="맑은 고딕" panose="020B0503020000020004" pitchFamily="50" charset="-127"/>
               </a:rPr>
               <a:t>에 해결</a:t>
             </a:r>
@@ -22963,6 +22981,8 @@
               <a:solidFill>
                 <a:schemeClr val="tx1"/>
               </a:solidFill>
+              <a:latin typeface="맑은 고딕" panose="020B0503020000020004" pitchFamily="50" charset="-127"/>
+              <a:ea typeface="맑은 고딕" panose="020B0503020000020004" pitchFamily="50" charset="-127"/>
             </a:endParaRPr>
           </a:p>
           <a:p>
@@ -22971,6 +22991,8 @@
               <a:solidFill>
                 <a:schemeClr val="tx1"/>
               </a:solidFill>
+              <a:latin typeface="맑은 고딕" panose="020B0503020000020004" pitchFamily="50" charset="-127"/>
+              <a:ea typeface="맑은 고딕" panose="020B0503020000020004" pitchFamily="50" charset="-127"/>
             </a:endParaRPr>
           </a:p>
           <a:p>
@@ -22980,6 +23002,8 @@
                 <a:solidFill>
                   <a:schemeClr val="tx1"/>
                 </a:solidFill>
+                <a:latin typeface="맑은 고딕" panose="020B0503020000020004" pitchFamily="50" charset="-127"/>
+                <a:ea typeface="맑은 고딕" panose="020B0503020000020004" pitchFamily="50" charset="-127"/>
               </a:rPr>
               <a:t>1</a:t>
             </a:r>
@@ -22988,6 +23012,8 @@
                 <a:solidFill>
                   <a:schemeClr val="tx1"/>
                 </a:solidFill>
+                <a:latin typeface="맑은 고딕" panose="020B0503020000020004" pitchFamily="50" charset="-127"/>
+                <a:ea typeface="맑은 고딕" panose="020B0503020000020004" pitchFamily="50" charset="-127"/>
               </a:rPr>
               <a:t>부터 </a:t>
             </a:r>
@@ -22996,6 +23022,8 @@
                 <a:solidFill>
                   <a:schemeClr val="tx1"/>
                 </a:solidFill>
+                <a:latin typeface="맑은 고딕" panose="020B0503020000020004" pitchFamily="50" charset="-127"/>
+                <a:ea typeface="맑은 고딕" panose="020B0503020000020004" pitchFamily="50" charset="-127"/>
               </a:rPr>
               <a:t>2^31-1</a:t>
             </a:r>
@@ -23004,6 +23032,8 @@
                 <a:solidFill>
                   <a:schemeClr val="tx1"/>
                 </a:solidFill>
+                <a:latin typeface="맑은 고딕" panose="020B0503020000020004" pitchFamily="50" charset="-127"/>
+                <a:ea typeface="맑은 고딕" panose="020B0503020000020004" pitchFamily="50" charset="-127"/>
               </a:rPr>
               <a:t>까지를 탐색하므로</a:t>
             </a:r>
@@ -23011,6 +23041,8 @@
               <a:solidFill>
                 <a:schemeClr val="tx1"/>
               </a:solidFill>
+              <a:latin typeface="맑은 고딕" panose="020B0503020000020004" pitchFamily="50" charset="-127"/>
+              <a:ea typeface="맑은 고딕" panose="020B0503020000020004" pitchFamily="50" charset="-127"/>
             </a:endParaRPr>
           </a:p>
           <a:p>
@@ -23020,6 +23052,8 @@
                 <a:solidFill>
                   <a:schemeClr val="tx1"/>
                 </a:solidFill>
+                <a:latin typeface="맑은 고딕" panose="020B0503020000020004" pitchFamily="50" charset="-127"/>
+                <a:ea typeface="맑은 고딕" panose="020B0503020000020004" pitchFamily="50" charset="-127"/>
               </a:rPr>
               <a:t>O(</a:t>
             </a:r>
@@ -23028,6 +23062,8 @@
                 <a:solidFill>
                   <a:schemeClr val="tx1"/>
                 </a:solidFill>
+                <a:latin typeface="맑은 고딕" panose="020B0503020000020004" pitchFamily="50" charset="-127"/>
+                <a:ea typeface="맑은 고딕" panose="020B0503020000020004" pitchFamily="50" charset="-127"/>
               </a:rPr>
               <a:t>Nlog</a:t>
             </a:r>
@@ -23036,6 +23072,8 @@
                 <a:solidFill>
                   <a:schemeClr val="tx1"/>
                 </a:solidFill>
+                <a:latin typeface="맑은 고딕" panose="020B0503020000020004" pitchFamily="50" charset="-127"/>
+                <a:ea typeface="맑은 고딕" panose="020B0503020000020004" pitchFamily="50" charset="-127"/>
               </a:rPr>
               <a:t>(2^31-1))</a:t>
             </a:r>
@@ -26764,6 +26802,8 @@
                 <a:solidFill>
                   <a:schemeClr val="tx1"/>
                 </a:solidFill>
+                <a:latin typeface="맑은 고딕" panose="020B0503020000020004" pitchFamily="50" charset="-127"/>
+                <a:ea typeface="맑은 고딕" panose="020B0503020000020004" pitchFamily="50" charset="-127"/>
               </a:rPr>
               <a:t>매개변수 탐색하면서 </a:t>
             </a:r>
@@ -26772,6 +26812,8 @@
                 <a:solidFill>
                   <a:schemeClr val="tx1"/>
                 </a:solidFill>
+                <a:latin typeface="맑은 고딕" panose="020B0503020000020004" pitchFamily="50" charset="-127"/>
+                <a:ea typeface="맑은 고딕" panose="020B0503020000020004" pitchFamily="50" charset="-127"/>
               </a:rPr>
               <a:t>ans</a:t>
             </a:r>
@@ -26780,6 +26822,8 @@
                 <a:solidFill>
                   <a:schemeClr val="tx1"/>
                 </a:solidFill>
+                <a:latin typeface="맑은 고딕" panose="020B0503020000020004" pitchFamily="50" charset="-127"/>
+                <a:ea typeface="맑은 고딕" panose="020B0503020000020004" pitchFamily="50" charset="-127"/>
               </a:rPr>
               <a:t> </a:t>
             </a:r>
@@ -26788,6 +26832,8 @@
                 <a:solidFill>
                   <a:schemeClr val="tx1"/>
                 </a:solidFill>
+                <a:latin typeface="맑은 고딕" panose="020B0503020000020004" pitchFamily="50" charset="-127"/>
+                <a:ea typeface="맑은 고딕" panose="020B0503020000020004" pitchFamily="50" charset="-127"/>
               </a:rPr>
               <a:t>갱신</a:t>
             </a:r>
@@ -26795,6 +26841,8 @@
               <a:solidFill>
                 <a:schemeClr val="tx1"/>
               </a:solidFill>
+              <a:latin typeface="맑은 고딕" panose="020B0503020000020004" pitchFamily="50" charset="-127"/>
+              <a:ea typeface="맑은 고딕" panose="020B0503020000020004" pitchFamily="50" charset="-127"/>
             </a:endParaRPr>
           </a:p>
           <a:p>
@@ -26804,6 +26852,8 @@
                 <a:solidFill>
                   <a:schemeClr val="tx1"/>
                 </a:solidFill>
+                <a:latin typeface="맑은 고딕" panose="020B0503020000020004" pitchFamily="50" charset="-127"/>
+                <a:ea typeface="맑은 고딕" panose="020B0503020000020004" pitchFamily="50" charset="-127"/>
               </a:rPr>
               <a:t>check </a:t>
             </a:r>
@@ -26812,6 +26862,8 @@
                 <a:solidFill>
                   <a:schemeClr val="tx1"/>
                 </a:solidFill>
+                <a:latin typeface="맑은 고딕" panose="020B0503020000020004" pitchFamily="50" charset="-127"/>
+                <a:ea typeface="맑은 고딕" panose="020B0503020000020004" pitchFamily="50" charset="-127"/>
               </a:rPr>
               <a:t>과정 </a:t>
             </a:r>
@@ -26820,6 +26872,8 @@
                 <a:solidFill>
                   <a:schemeClr val="tx1"/>
                 </a:solidFill>
+                <a:latin typeface="맑은 고딕" panose="020B0503020000020004" pitchFamily="50" charset="-127"/>
+                <a:ea typeface="맑은 고딕" panose="020B0503020000020004" pitchFamily="50" charset="-127"/>
               </a:rPr>
               <a:t>(mid^2 &gt;= n) O(1)</a:t>
             </a:r>
@@ -26828,6 +26882,8 @@
                 <a:solidFill>
                   <a:schemeClr val="tx1"/>
                 </a:solidFill>
+                <a:latin typeface="맑은 고딕" panose="020B0503020000020004" pitchFamily="50" charset="-127"/>
+                <a:ea typeface="맑은 고딕" panose="020B0503020000020004" pitchFamily="50" charset="-127"/>
               </a:rPr>
               <a:t>에 해결</a:t>
             </a:r>
@@ -26835,6 +26891,8 @@
               <a:solidFill>
                 <a:schemeClr val="tx1"/>
               </a:solidFill>
+              <a:latin typeface="맑은 고딕" panose="020B0503020000020004" pitchFamily="50" charset="-127"/>
+              <a:ea typeface="맑은 고딕" panose="020B0503020000020004" pitchFamily="50" charset="-127"/>
             </a:endParaRPr>
           </a:p>
           <a:p>
@@ -26843,6 +26901,8 @@
               <a:solidFill>
                 <a:schemeClr val="tx1"/>
               </a:solidFill>
+              <a:latin typeface="맑은 고딕" panose="020B0503020000020004" pitchFamily="50" charset="-127"/>
+              <a:ea typeface="맑은 고딕" panose="020B0503020000020004" pitchFamily="50" charset="-127"/>
             </a:endParaRPr>
           </a:p>
           <a:p>
@@ -26852,6 +26912,8 @@
                 <a:solidFill>
                   <a:schemeClr val="tx1"/>
                 </a:solidFill>
+                <a:latin typeface="맑은 고딕" panose="020B0503020000020004" pitchFamily="50" charset="-127"/>
+                <a:ea typeface="맑은 고딕" panose="020B0503020000020004" pitchFamily="50" charset="-127"/>
               </a:rPr>
               <a:t>1</a:t>
             </a:r>
@@ -26860,6 +26922,8 @@
                 <a:solidFill>
                   <a:schemeClr val="tx1"/>
                 </a:solidFill>
+                <a:latin typeface="맑은 고딕" panose="020B0503020000020004" pitchFamily="50" charset="-127"/>
+                <a:ea typeface="맑은 고딕" panose="020B0503020000020004" pitchFamily="50" charset="-127"/>
               </a:rPr>
               <a:t>부터 </a:t>
             </a:r>
@@ -26868,6 +26932,8 @@
                 <a:solidFill>
                   <a:schemeClr val="tx1"/>
                 </a:solidFill>
+                <a:latin typeface="맑은 고딕" panose="020B0503020000020004" pitchFamily="50" charset="-127"/>
+                <a:ea typeface="맑은 고딕" panose="020B0503020000020004" pitchFamily="50" charset="-127"/>
               </a:rPr>
               <a:t>2^63-1</a:t>
             </a:r>
@@ -26876,6 +26942,8 @@
                 <a:solidFill>
                   <a:schemeClr val="tx1"/>
                 </a:solidFill>
+                <a:latin typeface="맑은 고딕" panose="020B0503020000020004" pitchFamily="50" charset="-127"/>
+                <a:ea typeface="맑은 고딕" panose="020B0503020000020004" pitchFamily="50" charset="-127"/>
               </a:rPr>
               <a:t>까지를 탐색하므로</a:t>
             </a:r>
@@ -26883,6 +26951,8 @@
               <a:solidFill>
                 <a:schemeClr val="tx1"/>
               </a:solidFill>
+              <a:latin typeface="맑은 고딕" panose="020B0503020000020004" pitchFamily="50" charset="-127"/>
+              <a:ea typeface="맑은 고딕" panose="020B0503020000020004" pitchFamily="50" charset="-127"/>
             </a:endParaRPr>
           </a:p>
           <a:p>
@@ -26892,6 +26962,8 @@
                 <a:solidFill>
                   <a:schemeClr val="tx1"/>
                 </a:solidFill>
+                <a:latin typeface="맑은 고딕" panose="020B0503020000020004" pitchFamily="50" charset="-127"/>
+                <a:ea typeface="맑은 고딕" panose="020B0503020000020004" pitchFamily="50" charset="-127"/>
               </a:rPr>
               <a:t>O(log(2^63-1))</a:t>
             </a:r>
@@ -27137,13 +27209,13 @@
         </p:nvSpPr>
         <p:spPr>
           <a:xfrm>
-            <a:off x="205059" y="235390"/>
-            <a:ext cx="4828668" cy="592260"/>
+            <a:off x="205058" y="235390"/>
+            <a:ext cx="5183687" cy="592260"/>
           </a:xfrm>
         </p:spPr>
         <p:txBody>
           <a:bodyPr rtlCol="0">
-            <a:normAutofit fontScale="90000"/>
+            <a:noAutofit/>
           </a:bodyPr>
           <a:lstStyle/>
           <a:p>
@@ -35241,6 +35313,15 @@
 </file>
 
 <file path=customXml/item1.xml><?xml version="1.0" encoding="utf-8"?>
+<?mso-contentType ?>
+<FormTemplates xmlns="http://schemas.microsoft.com/sharepoint/v3/contenttype/forms">
+  <Display>DocumentLibraryForm</Display>
+  <Edit>DocumentLibraryForm</Edit>
+  <New>DocumentLibraryForm</New>
+</FormTemplates>
+</file>
+
+<file path=customXml/item2.xml><?xml version="1.0" encoding="utf-8"?>
 <ct:contentTypeSchema xmlns:ct="http://schemas.microsoft.com/office/2006/metadata/contentType" xmlns:ma="http://schemas.microsoft.com/office/2006/metadata/properties/metaAttributes" ct:_="" ma:_="" ma:contentTypeName="Document" ma:contentTypeID="0x01010079F111ED35F8CC479449609E8A0923A6" ma:contentTypeVersion="20" ma:contentTypeDescription="Create a new document." ma:contentTypeScope="" ma:versionID="1267097ee5f5874adfcc408041ae252e">
   <xsd:schema xmlns:xsd="http://www.w3.org/2001/XMLSchema" xmlns:xs="http://www.w3.org/2001/XMLSchema" xmlns:p="http://schemas.microsoft.com/office/2006/metadata/properties" xmlns:ns1="http://schemas.microsoft.com/sharepoint/v3" xmlns:ns2="71af3243-3dd4-4a8d-8c0d-dd76da1f02a5" xmlns:ns3="16c05727-aa75-4e4a-9b5f-8a80a1165891" xmlns:ns4="230e9df3-be65-4c73-a93b-d1236ebd677e" targetNamespace="http://schemas.microsoft.com/office/2006/metadata/properties" ma:root="true" ma:fieldsID="395891a93df65b14727750f2c06c306c" ns1:_="" ns2:_="" ns3:_="" ns4:_="">
     <xsd:import namespace="http://schemas.microsoft.com/sharepoint/v3"/>
@@ -35516,15 +35597,6 @@
 </ct:contentTypeSchema>
 </file>
 
-<file path=customXml/item2.xml><?xml version="1.0" encoding="utf-8"?>
-<?mso-contentType ?>
-<FormTemplates xmlns="http://schemas.microsoft.com/sharepoint/v3/contenttype/forms">
-  <Display>DocumentLibraryForm</Display>
-  <Edit>DocumentLibraryForm</Edit>
-  <New>DocumentLibraryForm</New>
-</FormTemplates>
-</file>
-
 <file path=customXml/item3.xml><?xml version="1.0" encoding="utf-8"?>
 <p:properties xmlns:p="http://schemas.microsoft.com/office/2006/metadata/properties" xmlns:xsi="http://www.w3.org/2001/XMLSchema-instance" xmlns:pc="http://schemas.microsoft.com/office/infopath/2007/PartnerControls">
   <documentManagement>
@@ -35545,6 +35617,14 @@
 </file>
 
 <file path=customXml/itemProps1.xml><?xml version="1.0" encoding="utf-8"?>
+<ds:datastoreItem xmlns:ds="http://schemas.openxmlformats.org/officeDocument/2006/customXml" ds:itemID="{42BC90D6-94CF-42F7-AAC4-9CF6824C54D5}">
+  <ds:schemaRefs>
+    <ds:schemaRef ds:uri="http://schemas.microsoft.com/sharepoint/v3/contenttype/forms"/>
+  </ds:schemaRefs>
+</ds:datastoreItem>
+</file>
+
+<file path=customXml/itemProps2.xml><?xml version="1.0" encoding="utf-8"?>
 <ds:datastoreItem xmlns:ds="http://schemas.openxmlformats.org/officeDocument/2006/customXml" ds:itemID="{64CF2EF3-001F-4BE9-81B3-86ECBBF9425F}">
   <ds:schemaRefs>
     <ds:schemaRef ds:uri="http://schemas.microsoft.com/office/2006/metadata/contentType"/>
@@ -35561,14 +35641,6 @@
     <ds:schemaRef ds:uri="http://purl.org/dc/elements/1.1/"/>
     <ds:schemaRef ds:uri="http://purl.org/dc/terms/"/>
     <ds:schemaRef ds:uri="http://schemas.microsoft.com/internal/obd"/>
-  </ds:schemaRefs>
-</ds:datastoreItem>
-</file>
-
-<file path=customXml/itemProps2.xml><?xml version="1.0" encoding="utf-8"?>
-<ds:datastoreItem xmlns:ds="http://schemas.openxmlformats.org/officeDocument/2006/customXml" ds:itemID="{42BC90D6-94CF-42F7-AAC4-9CF6824C54D5}">
-  <ds:schemaRefs>
-    <ds:schemaRef ds:uri="http://schemas.microsoft.com/sharepoint/v3/contenttype/forms"/>
   </ds:schemaRefs>
 </ds:datastoreItem>
 </file>
